--- a/Presentatie/presentatie project 2 eerste fase.pptx
+++ b/Presentatie/presentatie project 2 eerste fase.pptx
@@ -7,12 +7,12 @@
   <p:sldIdLst>
     <p:sldId id="256" r:id="rId2"/>
     <p:sldId id="267" r:id="rId3"/>
-    <p:sldId id="257" r:id="rId4"/>
-    <p:sldId id="258" r:id="rId5"/>
-    <p:sldId id="259" r:id="rId6"/>
-    <p:sldId id="260" r:id="rId7"/>
-    <p:sldId id="261" r:id="rId8"/>
-    <p:sldId id="262" r:id="rId9"/>
+    <p:sldId id="268" r:id="rId4"/>
+    <p:sldId id="257" r:id="rId5"/>
+    <p:sldId id="270" r:id="rId6"/>
+    <p:sldId id="272" r:id="rId7"/>
+    <p:sldId id="273" r:id="rId8"/>
+    <p:sldId id="269" r:id="rId9"/>
     <p:sldId id="265" r:id="rId10"/>
     <p:sldId id="266" r:id="rId11"/>
     <p:sldId id="264" r:id="rId12"/>
@@ -116,7 +116,7 @@
   </p:defaultTextStyle>
   <p:extLst>
     <p:ext uri="{EFAFB233-063F-42B5-8137-9DF3F51BA10A}">
-      <p15:sldGuideLst xmlns:p15="http://schemas.microsoft.com/office/powerpoint/2012/main"/>
+      <p15:sldGuideLst xmlns:p15="http://schemas.microsoft.com/office/powerpoint/2012/main" xmlns=""/>
     </p:ext>
   </p:extLst>
 </p:presentation>
@@ -165,7 +165,7 @@
             <a:blip r:embed="rId2">
               <a:extLst>
                 <a:ext uri="{28A0092B-C50C-407E-A947-70E740481C1C}">
-                  <a14:useLocalDpi xmlns:a14="http://schemas.microsoft.com/office/drawing/2010/main" val="0"/>
+                  <a14:useLocalDpi xmlns:a14="http://schemas.microsoft.com/office/drawing/2010/main" xmlns="" val="0"/>
                 </a:ext>
               </a:extLst>
             </a:blip>
@@ -229,7 +229,7 @@
             <a:blip r:embed="rId3">
               <a:extLst>
                 <a:ext uri="{28A0092B-C50C-407E-A947-70E740481C1C}">
-                  <a14:useLocalDpi xmlns:a14="http://schemas.microsoft.com/office/drawing/2010/main" val="0"/>
+                  <a14:useLocalDpi xmlns:a14="http://schemas.microsoft.com/office/drawing/2010/main" xmlns="" val="0"/>
                 </a:ext>
               </a:extLst>
             </a:blip>
@@ -258,7 +258,7 @@
             <a:blip r:embed="rId3">
               <a:extLst>
                 <a:ext uri="{28A0092B-C50C-407E-A947-70E740481C1C}">
-                  <a14:useLocalDpi xmlns:a14="http://schemas.microsoft.com/office/drawing/2010/main" val="0"/>
+                  <a14:useLocalDpi xmlns:a14="http://schemas.microsoft.com/office/drawing/2010/main" xmlns="" val="0"/>
                 </a:ext>
               </a:extLst>
             </a:blip>
@@ -453,6 +453,7 @@
           <a:p>
             <a:fld id="{7EDD6BA8-F7A2-4DB2-889F-158F0928BA1B}" type="datetimeFigureOut">
               <a:rPr lang="en-GB" smtClean="0"/>
+              <a:pPr/>
               <a:t>09/11/2016</a:t>
             </a:fld>
             <a:endParaRPr lang="en-GB"/>
@@ -505,6 +506,7 @@
           <a:p>
             <a:fld id="{1201F557-287A-4E1F-8FF8-81B8D881C805}" type="slidenum">
               <a:rPr lang="en-GB" smtClean="0"/>
+              <a:pPr/>
               <a:t>‹nr.›</a:t>
             </a:fld>
             <a:endParaRPr lang="en-GB"/>
@@ -544,20 +546,20 @@
     </p:spTree>
     <p:extLst>
       <p:ext uri="{BB962C8B-B14F-4D97-AF65-F5344CB8AC3E}">
-        <p14:creationId xmlns:p14="http://schemas.microsoft.com/office/powerpoint/2010/main" val="234935230"/>
+        <p14:creationId xmlns:p14="http://schemas.microsoft.com/office/powerpoint/2010/main" xmlns="" val="234935230"/>
       </p:ext>
     </p:extLst>
   </p:cSld>
   <p:clrMapOvr>
     <a:masterClrMapping/>
   </p:clrMapOvr>
-  <mc:AlternateContent xmlns:mc="http://schemas.openxmlformats.org/markup-compatibility/2006" xmlns:p159="http://schemas.microsoft.com/office/powerpoint/2015/09/main">
-    <mc:Choice Requires="p159">
+  <mc:AlternateContent xmlns:mc="http://schemas.openxmlformats.org/markup-compatibility/2006">
+    <mc:Choice xmlns:p159="http://schemas.microsoft.com/office/powerpoint/2015/09/main" xmlns="" Requires="p159">
       <p:transition xmlns:p14="http://schemas.microsoft.com/office/powerpoint/2010/main" spd="slow" p14:dur="1750">
         <p159:morph option="byObject"/>
       </p:transition>
     </mc:Choice>
-    <mc:Fallback xmlns="">
+    <mc:Fallback>
       <p:transition spd="slow">
         <p:fade/>
       </p:transition>
@@ -789,6 +791,7 @@
           <a:p>
             <a:fld id="{7EDD6BA8-F7A2-4DB2-889F-158F0928BA1B}" type="datetimeFigureOut">
               <a:rPr lang="en-GB" smtClean="0"/>
+              <a:pPr/>
               <a:t>09/11/2016</a:t>
             </a:fld>
             <a:endParaRPr lang="en-GB"/>
@@ -831,6 +834,7 @@
           <a:p>
             <a:fld id="{1201F557-287A-4E1F-8FF8-81B8D881C805}" type="slidenum">
               <a:rPr lang="en-GB" smtClean="0"/>
+              <a:pPr/>
               <a:t>‹nr.›</a:t>
             </a:fld>
             <a:endParaRPr lang="en-GB"/>
@@ -840,20 +844,20 @@
     </p:spTree>
     <p:extLst>
       <p:ext uri="{BB962C8B-B14F-4D97-AF65-F5344CB8AC3E}">
-        <p14:creationId xmlns:p14="http://schemas.microsoft.com/office/powerpoint/2010/main" val="921442173"/>
+        <p14:creationId xmlns:p14="http://schemas.microsoft.com/office/powerpoint/2010/main" xmlns="" val="921442173"/>
       </p:ext>
     </p:extLst>
   </p:cSld>
   <p:clrMapOvr>
     <a:masterClrMapping/>
   </p:clrMapOvr>
-  <mc:AlternateContent xmlns:mc="http://schemas.openxmlformats.org/markup-compatibility/2006" xmlns:p159="http://schemas.microsoft.com/office/powerpoint/2015/09/main">
-    <mc:Choice Requires="p159">
+  <mc:AlternateContent xmlns:mc="http://schemas.openxmlformats.org/markup-compatibility/2006">
+    <mc:Choice xmlns:p159="http://schemas.microsoft.com/office/powerpoint/2015/09/main" xmlns="" Requires="p159">
       <p:transition xmlns:p14="http://schemas.microsoft.com/office/powerpoint/2010/main" spd="slow" p14:dur="1750">
         <p159:morph option="byObject"/>
       </p:transition>
     </mc:Choice>
-    <mc:Fallback xmlns="">
+    <mc:Fallback>
       <p:transition spd="slow">
         <p:fade/>
       </p:transition>
@@ -1049,6 +1053,7 @@
           <a:p>
             <a:fld id="{7EDD6BA8-F7A2-4DB2-889F-158F0928BA1B}" type="datetimeFigureOut">
               <a:rPr lang="en-GB" smtClean="0"/>
+              <a:pPr/>
               <a:t>09/11/2016</a:t>
             </a:fld>
             <a:endParaRPr lang="en-GB"/>
@@ -1091,6 +1096,7 @@
           <a:p>
             <a:fld id="{1201F557-287A-4E1F-8FF8-81B8D881C805}" type="slidenum">
               <a:rPr lang="en-GB" smtClean="0"/>
+              <a:pPr/>
               <a:t>‹nr.›</a:t>
             </a:fld>
             <a:endParaRPr lang="en-GB"/>
@@ -1131,20 +1137,20 @@
     </p:spTree>
     <p:extLst>
       <p:ext uri="{BB962C8B-B14F-4D97-AF65-F5344CB8AC3E}">
-        <p14:creationId xmlns:p14="http://schemas.microsoft.com/office/powerpoint/2010/main" val="2447573042"/>
+        <p14:creationId xmlns:p14="http://schemas.microsoft.com/office/powerpoint/2010/main" xmlns="" val="2447573042"/>
       </p:ext>
     </p:extLst>
   </p:cSld>
   <p:clrMapOvr>
     <a:masterClrMapping/>
   </p:clrMapOvr>
-  <mc:AlternateContent xmlns:mc="http://schemas.openxmlformats.org/markup-compatibility/2006" xmlns:p159="http://schemas.microsoft.com/office/powerpoint/2015/09/main">
-    <mc:Choice Requires="p159">
+  <mc:AlternateContent xmlns:mc="http://schemas.openxmlformats.org/markup-compatibility/2006">
+    <mc:Choice xmlns:p159="http://schemas.microsoft.com/office/powerpoint/2015/09/main" xmlns="" Requires="p159">
       <p:transition xmlns:p14="http://schemas.microsoft.com/office/powerpoint/2010/main" spd="slow" p14:dur="1750">
         <p159:morph option="byObject"/>
       </p:transition>
     </mc:Choice>
-    <mc:Fallback xmlns="">
+    <mc:Fallback>
       <p:transition spd="slow">
         <p:fade/>
       </p:transition>
@@ -1400,6 +1406,7 @@
           <a:p>
             <a:fld id="{7EDD6BA8-F7A2-4DB2-889F-158F0928BA1B}" type="datetimeFigureOut">
               <a:rPr lang="en-GB" smtClean="0"/>
+              <a:pPr/>
               <a:t>09/11/2016</a:t>
             </a:fld>
             <a:endParaRPr lang="en-GB"/>
@@ -1442,6 +1449,7 @@
           <a:p>
             <a:fld id="{1201F557-287A-4E1F-8FF8-81B8D881C805}" type="slidenum">
               <a:rPr lang="en-GB" smtClean="0"/>
+              <a:pPr/>
               <a:t>‹nr.›</a:t>
             </a:fld>
             <a:endParaRPr lang="en-GB"/>
@@ -1550,20 +1558,20 @@
     </p:spTree>
     <p:extLst>
       <p:ext uri="{BB962C8B-B14F-4D97-AF65-F5344CB8AC3E}">
-        <p14:creationId xmlns:p14="http://schemas.microsoft.com/office/powerpoint/2010/main" val="437130091"/>
+        <p14:creationId xmlns:p14="http://schemas.microsoft.com/office/powerpoint/2010/main" xmlns="" val="437130091"/>
       </p:ext>
     </p:extLst>
   </p:cSld>
   <p:clrMapOvr>
     <a:masterClrMapping/>
   </p:clrMapOvr>
-  <mc:AlternateContent xmlns:mc="http://schemas.openxmlformats.org/markup-compatibility/2006" xmlns:p159="http://schemas.microsoft.com/office/powerpoint/2015/09/main">
-    <mc:Choice Requires="p159">
+  <mc:AlternateContent xmlns:mc="http://schemas.openxmlformats.org/markup-compatibility/2006">
+    <mc:Choice xmlns:p159="http://schemas.microsoft.com/office/powerpoint/2015/09/main" xmlns="" Requires="p159">
       <p:transition xmlns:p14="http://schemas.microsoft.com/office/powerpoint/2010/main" spd="slow" p14:dur="1750">
         <p159:morph option="byObject"/>
       </p:transition>
     </mc:Choice>
-    <mc:Fallback xmlns="">
+    <mc:Fallback>
       <p:transition spd="slow">
         <p:fade/>
       </p:transition>
@@ -1759,6 +1767,7 @@
           <a:p>
             <a:fld id="{7EDD6BA8-F7A2-4DB2-889F-158F0928BA1B}" type="datetimeFigureOut">
               <a:rPr lang="en-GB" smtClean="0"/>
+              <a:pPr/>
               <a:t>09/11/2016</a:t>
             </a:fld>
             <a:endParaRPr lang="en-GB"/>
@@ -1801,6 +1810,7 @@
           <a:p>
             <a:fld id="{1201F557-287A-4E1F-8FF8-81B8D881C805}" type="slidenum">
               <a:rPr lang="en-GB" smtClean="0"/>
+              <a:pPr/>
               <a:t>‹nr.›</a:t>
             </a:fld>
             <a:endParaRPr lang="en-GB"/>
@@ -1810,20 +1820,20 @@
     </p:spTree>
     <p:extLst>
       <p:ext uri="{BB962C8B-B14F-4D97-AF65-F5344CB8AC3E}">
-        <p14:creationId xmlns:p14="http://schemas.microsoft.com/office/powerpoint/2010/main" val="3750360672"/>
+        <p14:creationId xmlns:p14="http://schemas.microsoft.com/office/powerpoint/2010/main" xmlns="" val="3750360672"/>
       </p:ext>
     </p:extLst>
   </p:cSld>
   <p:clrMapOvr>
     <a:masterClrMapping/>
   </p:clrMapOvr>
-  <mc:AlternateContent xmlns:mc="http://schemas.openxmlformats.org/markup-compatibility/2006" xmlns:p159="http://schemas.microsoft.com/office/powerpoint/2015/09/main">
-    <mc:Choice Requires="p159">
+  <mc:AlternateContent xmlns:mc="http://schemas.openxmlformats.org/markup-compatibility/2006">
+    <mc:Choice xmlns:p159="http://schemas.microsoft.com/office/powerpoint/2015/09/main" xmlns="" Requires="p159">
       <p:transition xmlns:p14="http://schemas.microsoft.com/office/powerpoint/2010/main" spd="slow" p14:dur="1750">
         <p159:morph option="byObject"/>
       </p:transition>
     </mc:Choice>
-    <mc:Fallback xmlns="">
+    <mc:Fallback>
       <p:transition spd="slow">
         <p:fade/>
       </p:transition>
@@ -2145,6 +2155,7 @@
           <a:p>
             <a:fld id="{7EDD6BA8-F7A2-4DB2-889F-158F0928BA1B}" type="datetimeFigureOut">
               <a:rPr lang="en-GB" smtClean="0"/>
+              <a:pPr/>
               <a:t>09/11/2016</a:t>
             </a:fld>
             <a:endParaRPr lang="en-GB"/>
@@ -2187,6 +2198,7 @@
           <a:p>
             <a:fld id="{1201F557-287A-4E1F-8FF8-81B8D881C805}" type="slidenum">
               <a:rPr lang="en-GB" smtClean="0"/>
+              <a:pPr/>
               <a:t>‹nr.›</a:t>
             </a:fld>
             <a:endParaRPr lang="en-GB"/>
@@ -2295,20 +2307,20 @@
     </p:spTree>
     <p:extLst>
       <p:ext uri="{BB962C8B-B14F-4D97-AF65-F5344CB8AC3E}">
-        <p14:creationId xmlns:p14="http://schemas.microsoft.com/office/powerpoint/2010/main" val="419255753"/>
+        <p14:creationId xmlns:p14="http://schemas.microsoft.com/office/powerpoint/2010/main" xmlns="" val="419255753"/>
       </p:ext>
     </p:extLst>
   </p:cSld>
   <p:clrMapOvr>
     <a:masterClrMapping/>
   </p:clrMapOvr>
-  <mc:AlternateContent xmlns:mc="http://schemas.openxmlformats.org/markup-compatibility/2006" xmlns:p159="http://schemas.microsoft.com/office/powerpoint/2015/09/main">
-    <mc:Choice Requires="p159">
+  <mc:AlternateContent xmlns:mc="http://schemas.openxmlformats.org/markup-compatibility/2006">
+    <mc:Choice xmlns:p159="http://schemas.microsoft.com/office/powerpoint/2015/09/main" xmlns="" Requires="p159">
       <p:transition xmlns:p14="http://schemas.microsoft.com/office/powerpoint/2010/main" spd="slow" p14:dur="1750">
         <p159:morph option="byObject"/>
       </p:transition>
     </mc:Choice>
-    <mc:Fallback xmlns="">
+    <mc:Fallback>
       <p:transition spd="slow">
         <p:fade/>
       </p:transition>
@@ -2627,6 +2639,7 @@
           <a:p>
             <a:fld id="{7EDD6BA8-F7A2-4DB2-889F-158F0928BA1B}" type="datetimeFigureOut">
               <a:rPr lang="en-GB" smtClean="0"/>
+              <a:pPr/>
               <a:t>09/11/2016</a:t>
             </a:fld>
             <a:endParaRPr lang="en-GB"/>
@@ -2669,6 +2682,7 @@
           <a:p>
             <a:fld id="{1201F557-287A-4E1F-8FF8-81B8D881C805}" type="slidenum">
               <a:rPr lang="en-GB" smtClean="0"/>
+              <a:pPr/>
               <a:t>‹nr.›</a:t>
             </a:fld>
             <a:endParaRPr lang="en-GB"/>
@@ -2709,20 +2723,20 @@
     </p:spTree>
     <p:extLst>
       <p:ext uri="{BB962C8B-B14F-4D97-AF65-F5344CB8AC3E}">
-        <p14:creationId xmlns:p14="http://schemas.microsoft.com/office/powerpoint/2010/main" val="3744383809"/>
+        <p14:creationId xmlns:p14="http://schemas.microsoft.com/office/powerpoint/2010/main" xmlns="" val="3744383809"/>
       </p:ext>
     </p:extLst>
   </p:cSld>
   <p:clrMapOvr>
     <a:masterClrMapping/>
   </p:clrMapOvr>
-  <mc:AlternateContent xmlns:mc="http://schemas.openxmlformats.org/markup-compatibility/2006" xmlns:p159="http://schemas.microsoft.com/office/powerpoint/2015/09/main">
-    <mc:Choice Requires="p159">
+  <mc:AlternateContent xmlns:mc="http://schemas.openxmlformats.org/markup-compatibility/2006">
+    <mc:Choice xmlns:p159="http://schemas.microsoft.com/office/powerpoint/2015/09/main" xmlns="" Requires="p159">
       <p:transition xmlns:p14="http://schemas.microsoft.com/office/powerpoint/2010/main" spd="slow" p14:dur="1750">
         <p159:morph option="byObject"/>
       </p:transition>
     </mc:Choice>
-    <mc:Fallback xmlns="">
+    <mc:Fallback>
       <p:transition spd="slow">
         <p:fade/>
       </p:transition>
@@ -2844,6 +2858,7 @@
           <a:p>
             <a:fld id="{7EDD6BA8-F7A2-4DB2-889F-158F0928BA1B}" type="datetimeFigureOut">
               <a:rPr lang="en-GB" smtClean="0"/>
+              <a:pPr/>
               <a:t>09/11/2016</a:t>
             </a:fld>
             <a:endParaRPr lang="en-GB"/>
@@ -2886,6 +2901,7 @@
           <a:p>
             <a:fld id="{1201F557-287A-4E1F-8FF8-81B8D881C805}" type="slidenum">
               <a:rPr lang="en-GB" smtClean="0"/>
+              <a:pPr/>
               <a:t>‹nr.›</a:t>
             </a:fld>
             <a:endParaRPr lang="en-GB"/>
@@ -2926,20 +2942,20 @@
     </p:spTree>
     <p:extLst>
       <p:ext uri="{BB962C8B-B14F-4D97-AF65-F5344CB8AC3E}">
-        <p14:creationId xmlns:p14="http://schemas.microsoft.com/office/powerpoint/2010/main" val="3894730432"/>
+        <p14:creationId xmlns:p14="http://schemas.microsoft.com/office/powerpoint/2010/main" xmlns="" val="3894730432"/>
       </p:ext>
     </p:extLst>
   </p:cSld>
   <p:clrMapOvr>
     <a:masterClrMapping/>
   </p:clrMapOvr>
-  <mc:AlternateContent xmlns:mc="http://schemas.openxmlformats.org/markup-compatibility/2006" xmlns:p159="http://schemas.microsoft.com/office/powerpoint/2015/09/main">
-    <mc:Choice Requires="p159">
+  <mc:AlternateContent xmlns:mc="http://schemas.openxmlformats.org/markup-compatibility/2006">
+    <mc:Choice xmlns:p159="http://schemas.microsoft.com/office/powerpoint/2015/09/main" xmlns="" Requires="p159">
       <p:transition xmlns:p14="http://schemas.microsoft.com/office/powerpoint/2010/main" spd="slow" p14:dur="1750">
         <p159:morph option="byObject"/>
       </p:transition>
     </mc:Choice>
-    <mc:Fallback xmlns="">
+    <mc:Fallback>
       <p:transition spd="slow">
         <p:fade/>
       </p:transition>
@@ -3067,6 +3083,7 @@
           <a:p>
             <a:fld id="{7EDD6BA8-F7A2-4DB2-889F-158F0928BA1B}" type="datetimeFigureOut">
               <a:rPr lang="en-GB" smtClean="0"/>
+              <a:pPr/>
               <a:t>09/11/2016</a:t>
             </a:fld>
             <a:endParaRPr lang="en-GB"/>
@@ -3109,6 +3126,7 @@
           <a:p>
             <a:fld id="{1201F557-287A-4E1F-8FF8-81B8D881C805}" type="slidenum">
               <a:rPr lang="en-GB" smtClean="0"/>
+              <a:pPr/>
               <a:t>‹nr.›</a:t>
             </a:fld>
             <a:endParaRPr lang="en-GB"/>
@@ -3149,20 +3167,20 @@
     </p:spTree>
     <p:extLst>
       <p:ext uri="{BB962C8B-B14F-4D97-AF65-F5344CB8AC3E}">
-        <p14:creationId xmlns:p14="http://schemas.microsoft.com/office/powerpoint/2010/main" val="2939185764"/>
+        <p14:creationId xmlns:p14="http://schemas.microsoft.com/office/powerpoint/2010/main" xmlns="" val="2939185764"/>
       </p:ext>
     </p:extLst>
   </p:cSld>
   <p:clrMapOvr>
     <a:masterClrMapping/>
   </p:clrMapOvr>
-  <mc:AlternateContent xmlns:mc="http://schemas.openxmlformats.org/markup-compatibility/2006" xmlns:p159="http://schemas.microsoft.com/office/powerpoint/2015/09/main">
-    <mc:Choice Requires="p159">
+  <mc:AlternateContent xmlns:mc="http://schemas.openxmlformats.org/markup-compatibility/2006">
+    <mc:Choice xmlns:p159="http://schemas.microsoft.com/office/powerpoint/2015/09/main" xmlns="" Requires="p159">
       <p:transition xmlns:p14="http://schemas.microsoft.com/office/powerpoint/2010/main" spd="slow" p14:dur="1750">
         <p159:morph option="byObject"/>
       </p:transition>
     </mc:Choice>
-    <mc:Fallback xmlns="">
+    <mc:Fallback>
       <p:transition spd="slow">
         <p:fade/>
       </p:transition>
@@ -3311,6 +3329,7 @@
           <a:p>
             <a:fld id="{7EDD6BA8-F7A2-4DB2-889F-158F0928BA1B}" type="datetimeFigureOut">
               <a:rPr lang="en-GB" smtClean="0"/>
+              <a:pPr/>
               <a:t>09/11/2016</a:t>
             </a:fld>
             <a:endParaRPr lang="en-GB"/>
@@ -3353,6 +3372,7 @@
           <a:p>
             <a:fld id="{1201F557-287A-4E1F-8FF8-81B8D881C805}" type="slidenum">
               <a:rPr lang="en-GB" smtClean="0"/>
+              <a:pPr/>
               <a:t>‹nr.›</a:t>
             </a:fld>
             <a:endParaRPr lang="en-GB"/>
@@ -3362,20 +3382,20 @@
     </p:spTree>
     <p:extLst>
       <p:ext uri="{BB962C8B-B14F-4D97-AF65-F5344CB8AC3E}">
-        <p14:creationId xmlns:p14="http://schemas.microsoft.com/office/powerpoint/2010/main" val="1588242495"/>
+        <p14:creationId xmlns:p14="http://schemas.microsoft.com/office/powerpoint/2010/main" xmlns="" val="1588242495"/>
       </p:ext>
     </p:extLst>
   </p:cSld>
   <p:clrMapOvr>
     <a:masterClrMapping/>
   </p:clrMapOvr>
-  <mc:AlternateContent xmlns:mc="http://schemas.openxmlformats.org/markup-compatibility/2006" xmlns:p159="http://schemas.microsoft.com/office/powerpoint/2015/09/main">
-    <mc:Choice Requires="p159">
+  <mc:AlternateContent xmlns:mc="http://schemas.openxmlformats.org/markup-compatibility/2006">
+    <mc:Choice xmlns:p159="http://schemas.microsoft.com/office/powerpoint/2015/09/main" xmlns="" Requires="p159">
       <p:transition xmlns:p14="http://schemas.microsoft.com/office/powerpoint/2010/main" spd="slow" p14:dur="1750">
         <p159:morph option="byObject"/>
       </p:transition>
     </mc:Choice>
-    <mc:Fallback xmlns="">
+    <mc:Fallback>
       <p:transition spd="slow">
         <p:fade/>
       </p:transition>
@@ -3571,6 +3591,7 @@
           <a:p>
             <a:fld id="{7EDD6BA8-F7A2-4DB2-889F-158F0928BA1B}" type="datetimeFigureOut">
               <a:rPr lang="en-GB" smtClean="0"/>
+              <a:pPr/>
               <a:t>09/11/2016</a:t>
             </a:fld>
             <a:endParaRPr lang="en-GB"/>
@@ -3613,6 +3634,7 @@
           <a:p>
             <a:fld id="{1201F557-287A-4E1F-8FF8-81B8D881C805}" type="slidenum">
               <a:rPr lang="en-GB" smtClean="0"/>
+              <a:pPr/>
               <a:t>‹nr.›</a:t>
             </a:fld>
             <a:endParaRPr lang="en-GB"/>
@@ -3653,20 +3675,20 @@
     </p:spTree>
     <p:extLst>
       <p:ext uri="{BB962C8B-B14F-4D97-AF65-F5344CB8AC3E}">
-        <p14:creationId xmlns:p14="http://schemas.microsoft.com/office/powerpoint/2010/main" val="2082794965"/>
+        <p14:creationId xmlns:p14="http://schemas.microsoft.com/office/powerpoint/2010/main" xmlns="" val="2082794965"/>
       </p:ext>
     </p:extLst>
   </p:cSld>
   <p:clrMapOvr>
     <a:masterClrMapping/>
   </p:clrMapOvr>
-  <mc:AlternateContent xmlns:mc="http://schemas.openxmlformats.org/markup-compatibility/2006" xmlns:p159="http://schemas.microsoft.com/office/powerpoint/2015/09/main">
-    <mc:Choice Requires="p159">
+  <mc:AlternateContent xmlns:mc="http://schemas.openxmlformats.org/markup-compatibility/2006">
+    <mc:Choice xmlns:p159="http://schemas.microsoft.com/office/powerpoint/2015/09/main" xmlns="" Requires="p159">
       <p:transition xmlns:p14="http://schemas.microsoft.com/office/powerpoint/2010/main" spd="slow" p14:dur="1750">
         <p159:morph option="byObject"/>
       </p:transition>
     </mc:Choice>
-    <mc:Fallback xmlns="">
+    <mc:Fallback>
       <p:transition spd="slow">
         <p:fade/>
       </p:transition>
@@ -3881,6 +3903,7 @@
           <a:p>
             <a:fld id="{7EDD6BA8-F7A2-4DB2-889F-158F0928BA1B}" type="datetimeFigureOut">
               <a:rPr lang="en-GB" smtClean="0"/>
+              <a:pPr/>
               <a:t>09/11/2016</a:t>
             </a:fld>
             <a:endParaRPr lang="en-GB"/>
@@ -3923,6 +3946,7 @@
           <a:p>
             <a:fld id="{1201F557-287A-4E1F-8FF8-81B8D881C805}" type="slidenum">
               <a:rPr lang="en-GB" smtClean="0"/>
+              <a:pPr/>
               <a:t>‹nr.›</a:t>
             </a:fld>
             <a:endParaRPr lang="en-GB"/>
@@ -3932,20 +3956,20 @@
     </p:spTree>
     <p:extLst>
       <p:ext uri="{BB962C8B-B14F-4D97-AF65-F5344CB8AC3E}">
-        <p14:creationId xmlns:p14="http://schemas.microsoft.com/office/powerpoint/2010/main" val="1227468002"/>
+        <p14:creationId xmlns:p14="http://schemas.microsoft.com/office/powerpoint/2010/main" xmlns="" val="1227468002"/>
       </p:ext>
     </p:extLst>
   </p:cSld>
   <p:clrMapOvr>
     <a:masterClrMapping/>
   </p:clrMapOvr>
-  <mc:AlternateContent xmlns:mc="http://schemas.openxmlformats.org/markup-compatibility/2006" xmlns:p159="http://schemas.microsoft.com/office/powerpoint/2015/09/main">
-    <mc:Choice Requires="p159">
+  <mc:AlternateContent xmlns:mc="http://schemas.openxmlformats.org/markup-compatibility/2006">
+    <mc:Choice xmlns:p159="http://schemas.microsoft.com/office/powerpoint/2015/09/main" xmlns="" Requires="p159">
       <p:transition xmlns:p14="http://schemas.microsoft.com/office/powerpoint/2010/main" spd="slow" p14:dur="1750">
         <p159:morph option="byObject"/>
       </p:transition>
     </mc:Choice>
-    <mc:Fallback xmlns="">
+    <mc:Fallback>
       <p:transition spd="slow">
         <p:fade/>
       </p:transition>
@@ -4287,6 +4311,7 @@
           <a:p>
             <a:fld id="{7EDD6BA8-F7A2-4DB2-889F-158F0928BA1B}" type="datetimeFigureOut">
               <a:rPr lang="en-GB" smtClean="0"/>
+              <a:pPr/>
               <a:t>09/11/2016</a:t>
             </a:fld>
             <a:endParaRPr lang="en-GB"/>
@@ -4329,6 +4354,7 @@
           <a:p>
             <a:fld id="{1201F557-287A-4E1F-8FF8-81B8D881C805}" type="slidenum">
               <a:rPr lang="en-GB" smtClean="0"/>
+              <a:pPr/>
               <a:t>‹nr.›</a:t>
             </a:fld>
             <a:endParaRPr lang="en-GB"/>
@@ -4369,20 +4395,20 @@
     </p:spTree>
     <p:extLst>
       <p:ext uri="{BB962C8B-B14F-4D97-AF65-F5344CB8AC3E}">
-        <p14:creationId xmlns:p14="http://schemas.microsoft.com/office/powerpoint/2010/main" val="2538909829"/>
+        <p14:creationId xmlns:p14="http://schemas.microsoft.com/office/powerpoint/2010/main" xmlns="" val="2538909829"/>
       </p:ext>
     </p:extLst>
   </p:cSld>
   <p:clrMapOvr>
     <a:masterClrMapping/>
   </p:clrMapOvr>
-  <mc:AlternateContent xmlns:mc="http://schemas.openxmlformats.org/markup-compatibility/2006" xmlns:p159="http://schemas.microsoft.com/office/powerpoint/2015/09/main">
-    <mc:Choice Requires="p159">
+  <mc:AlternateContent xmlns:mc="http://schemas.openxmlformats.org/markup-compatibility/2006">
+    <mc:Choice xmlns:p159="http://schemas.microsoft.com/office/powerpoint/2015/09/main" xmlns="" Requires="p159">
       <p:transition xmlns:p14="http://schemas.microsoft.com/office/powerpoint/2010/main" spd="slow" p14:dur="1750">
         <p159:morph option="byObject"/>
       </p:transition>
     </mc:Choice>
-    <mc:Fallback xmlns="">
+    <mc:Fallback>
       <p:transition spd="slow">
         <p:fade/>
       </p:transition>
@@ -4448,6 +4474,7 @@
           <a:p>
             <a:fld id="{7EDD6BA8-F7A2-4DB2-889F-158F0928BA1B}" type="datetimeFigureOut">
               <a:rPr lang="en-GB" smtClean="0"/>
+              <a:pPr/>
               <a:t>09/11/2016</a:t>
             </a:fld>
             <a:endParaRPr lang="en-GB"/>
@@ -4490,6 +4517,7 @@
           <a:p>
             <a:fld id="{1201F557-287A-4E1F-8FF8-81B8D881C805}" type="slidenum">
               <a:rPr lang="en-GB" smtClean="0"/>
+              <a:pPr/>
               <a:t>‹nr.›</a:t>
             </a:fld>
             <a:endParaRPr lang="en-GB"/>
@@ -4530,20 +4558,20 @@
     </p:spTree>
     <p:extLst>
       <p:ext uri="{BB962C8B-B14F-4D97-AF65-F5344CB8AC3E}">
-        <p14:creationId xmlns:p14="http://schemas.microsoft.com/office/powerpoint/2010/main" val="3215171528"/>
+        <p14:creationId xmlns:p14="http://schemas.microsoft.com/office/powerpoint/2010/main" xmlns="" val="3215171528"/>
       </p:ext>
     </p:extLst>
   </p:cSld>
   <p:clrMapOvr>
     <a:masterClrMapping/>
   </p:clrMapOvr>
-  <mc:AlternateContent xmlns:mc="http://schemas.openxmlformats.org/markup-compatibility/2006" xmlns:p159="http://schemas.microsoft.com/office/powerpoint/2015/09/main">
-    <mc:Choice Requires="p159">
+  <mc:AlternateContent xmlns:mc="http://schemas.openxmlformats.org/markup-compatibility/2006">
+    <mc:Choice xmlns:p159="http://schemas.microsoft.com/office/powerpoint/2015/09/main" xmlns="" Requires="p159">
       <p:transition xmlns:p14="http://schemas.microsoft.com/office/powerpoint/2010/main" spd="slow" p14:dur="1750">
         <p159:morph option="byObject"/>
       </p:transition>
     </mc:Choice>
-    <mc:Fallback xmlns="">
+    <mc:Fallback>
       <p:transition spd="slow">
         <p:fade/>
       </p:transition>
@@ -4586,6 +4614,7 @@
           <a:p>
             <a:fld id="{7EDD6BA8-F7A2-4DB2-889F-158F0928BA1B}" type="datetimeFigureOut">
               <a:rPr lang="en-GB" smtClean="0"/>
+              <a:pPr/>
               <a:t>09/11/2016</a:t>
             </a:fld>
             <a:endParaRPr lang="en-GB"/>
@@ -4628,6 +4657,7 @@
           <a:p>
             <a:fld id="{1201F557-287A-4E1F-8FF8-81B8D881C805}" type="slidenum">
               <a:rPr lang="en-GB" smtClean="0"/>
+              <a:pPr/>
               <a:t>‹nr.›</a:t>
             </a:fld>
             <a:endParaRPr lang="en-GB"/>
@@ -4637,20 +4667,20 @@
     </p:spTree>
     <p:extLst>
       <p:ext uri="{BB962C8B-B14F-4D97-AF65-F5344CB8AC3E}">
-        <p14:creationId xmlns:p14="http://schemas.microsoft.com/office/powerpoint/2010/main" val="3042234343"/>
+        <p14:creationId xmlns:p14="http://schemas.microsoft.com/office/powerpoint/2010/main" xmlns="" val="3042234343"/>
       </p:ext>
     </p:extLst>
   </p:cSld>
   <p:clrMapOvr>
     <a:masterClrMapping/>
   </p:clrMapOvr>
-  <mc:AlternateContent xmlns:mc="http://schemas.openxmlformats.org/markup-compatibility/2006" xmlns:p159="http://schemas.microsoft.com/office/powerpoint/2015/09/main">
-    <mc:Choice Requires="p159">
+  <mc:AlternateContent xmlns:mc="http://schemas.openxmlformats.org/markup-compatibility/2006">
+    <mc:Choice xmlns:p159="http://schemas.microsoft.com/office/powerpoint/2015/09/main" xmlns="" Requires="p159">
       <p:transition xmlns:p14="http://schemas.microsoft.com/office/powerpoint/2010/main" spd="slow" p14:dur="1750">
         <p159:morph option="byObject"/>
       </p:transition>
     </mc:Choice>
-    <mc:Fallback xmlns="">
+    <mc:Fallback>
       <p:transition spd="slow">
         <p:fade/>
       </p:transition>
@@ -4853,6 +4883,7 @@
           <a:p>
             <a:fld id="{7EDD6BA8-F7A2-4DB2-889F-158F0928BA1B}" type="datetimeFigureOut">
               <a:rPr lang="en-GB" smtClean="0"/>
+              <a:pPr/>
               <a:t>09/11/2016</a:t>
             </a:fld>
             <a:endParaRPr lang="en-GB"/>
@@ -4895,6 +4926,7 @@
           <a:p>
             <a:fld id="{1201F557-287A-4E1F-8FF8-81B8D881C805}" type="slidenum">
               <a:rPr lang="en-GB" smtClean="0"/>
+              <a:pPr/>
               <a:t>‹nr.›</a:t>
             </a:fld>
             <a:endParaRPr lang="en-GB"/>
@@ -4935,20 +4967,20 @@
     </p:spTree>
     <p:extLst>
       <p:ext uri="{BB962C8B-B14F-4D97-AF65-F5344CB8AC3E}">
-        <p14:creationId xmlns:p14="http://schemas.microsoft.com/office/powerpoint/2010/main" val="2642264207"/>
+        <p14:creationId xmlns:p14="http://schemas.microsoft.com/office/powerpoint/2010/main" xmlns="" val="2642264207"/>
       </p:ext>
     </p:extLst>
   </p:cSld>
   <p:clrMapOvr>
     <a:masterClrMapping/>
   </p:clrMapOvr>
-  <mc:AlternateContent xmlns:mc="http://schemas.openxmlformats.org/markup-compatibility/2006" xmlns:p159="http://schemas.microsoft.com/office/powerpoint/2015/09/main">
-    <mc:Choice Requires="p159">
+  <mc:AlternateContent xmlns:mc="http://schemas.openxmlformats.org/markup-compatibility/2006">
+    <mc:Choice xmlns:p159="http://schemas.microsoft.com/office/powerpoint/2015/09/main" xmlns="" Requires="p159">
       <p:transition xmlns:p14="http://schemas.microsoft.com/office/powerpoint/2010/main" spd="slow" p14:dur="1750">
         <p159:morph option="byObject"/>
       </p:transition>
     </mc:Choice>
-    <mc:Fallback xmlns="">
+    <mc:Fallback>
       <p:transition spd="slow">
         <p:fade/>
       </p:transition>
@@ -5180,6 +5212,7 @@
           <a:p>
             <a:fld id="{7EDD6BA8-F7A2-4DB2-889F-158F0928BA1B}" type="datetimeFigureOut">
               <a:rPr lang="en-GB" smtClean="0"/>
+              <a:pPr/>
               <a:t>09/11/2016</a:t>
             </a:fld>
             <a:endParaRPr lang="en-GB"/>
@@ -5222,6 +5255,7 @@
           <a:p>
             <a:fld id="{1201F557-287A-4E1F-8FF8-81B8D881C805}" type="slidenum">
               <a:rPr lang="en-GB" smtClean="0"/>
+              <a:pPr/>
               <a:t>‹nr.›</a:t>
             </a:fld>
             <a:endParaRPr lang="en-GB"/>
@@ -5231,20 +5265,20 @@
     </p:spTree>
     <p:extLst>
       <p:ext uri="{BB962C8B-B14F-4D97-AF65-F5344CB8AC3E}">
-        <p14:creationId xmlns:p14="http://schemas.microsoft.com/office/powerpoint/2010/main" val="2333659576"/>
+        <p14:creationId xmlns:p14="http://schemas.microsoft.com/office/powerpoint/2010/main" xmlns="" val="2333659576"/>
       </p:ext>
     </p:extLst>
   </p:cSld>
   <p:clrMapOvr>
     <a:masterClrMapping/>
   </p:clrMapOvr>
-  <mc:AlternateContent xmlns:mc="http://schemas.openxmlformats.org/markup-compatibility/2006" xmlns:p159="http://schemas.microsoft.com/office/powerpoint/2015/09/main">
-    <mc:Choice Requires="p159">
+  <mc:AlternateContent xmlns:mc="http://schemas.openxmlformats.org/markup-compatibility/2006">
+    <mc:Choice xmlns:p159="http://schemas.microsoft.com/office/powerpoint/2015/09/main" xmlns="" Requires="p159">
       <p:transition xmlns:p14="http://schemas.microsoft.com/office/powerpoint/2010/main" spd="slow" p14:dur="1750">
         <p159:morph option="byObject"/>
       </p:transition>
     </mc:Choice>
-    <mc:Fallback xmlns="">
+    <mc:Fallback>
       <p:transition spd="slow">
         <p:fade/>
       </p:transition>
@@ -5301,7 +5335,7 @@
             <a:blip r:embed="rId19">
               <a:extLst>
                 <a:ext uri="{28A0092B-C50C-407E-A947-70E740481C1C}">
-                  <a14:useLocalDpi xmlns:a14="http://schemas.microsoft.com/office/drawing/2010/main" val="0"/>
+                  <a14:useLocalDpi xmlns:a14="http://schemas.microsoft.com/office/drawing/2010/main" xmlns="" val="0"/>
                 </a:ext>
               </a:extLst>
             </a:blip>
@@ -5365,7 +5399,7 @@
             <a:blip r:embed="rId20">
               <a:extLst>
                 <a:ext uri="{28A0092B-C50C-407E-A947-70E740481C1C}">
-                  <a14:useLocalDpi xmlns:a14="http://schemas.microsoft.com/office/drawing/2010/main" val="0"/>
+                  <a14:useLocalDpi xmlns:a14="http://schemas.microsoft.com/office/drawing/2010/main" xmlns="" val="0"/>
                 </a:ext>
               </a:extLst>
             </a:blip>
@@ -5394,7 +5428,7 @@
             <a:blip r:embed="rId20">
               <a:extLst>
                 <a:ext uri="{28A0092B-C50C-407E-A947-70E740481C1C}">
-                  <a14:useLocalDpi xmlns:a14="http://schemas.microsoft.com/office/drawing/2010/main" val="0"/>
+                  <a14:useLocalDpi xmlns:a14="http://schemas.microsoft.com/office/drawing/2010/main" xmlns="" val="0"/>
                 </a:ext>
               </a:extLst>
             </a:blip>
@@ -5543,6 +5577,7 @@
           <a:p>
             <a:fld id="{7EDD6BA8-F7A2-4DB2-889F-158F0928BA1B}" type="datetimeFigureOut">
               <a:rPr lang="en-GB" smtClean="0"/>
+              <a:pPr/>
               <a:t>09/11/2016</a:t>
             </a:fld>
             <a:endParaRPr lang="en-GB"/>
@@ -5621,6 +5656,7 @@
           <a:p>
             <a:fld id="{1201F557-287A-4E1F-8FF8-81B8D881C805}" type="slidenum">
               <a:rPr lang="en-GB" smtClean="0"/>
+              <a:pPr/>
               <a:t>‹nr.›</a:t>
             </a:fld>
             <a:endParaRPr lang="en-GB"/>
@@ -5630,7 +5666,7 @@
     </p:spTree>
     <p:extLst>
       <p:ext uri="{BB962C8B-B14F-4D97-AF65-F5344CB8AC3E}">
-        <p14:creationId xmlns:p14="http://schemas.microsoft.com/office/powerpoint/2010/main" val="140631096"/>
+        <p14:creationId xmlns:p14="http://schemas.microsoft.com/office/powerpoint/2010/main" xmlns="" val="140631096"/>
       </p:ext>
     </p:extLst>
   </p:cSld>
@@ -5654,13 +5690,13 @@
     <p:sldLayoutId id="2147483694" r:id="rId16"/>
     <p:sldLayoutId id="2147483695" r:id="rId17"/>
   </p:sldLayoutIdLst>
-  <mc:AlternateContent xmlns:mc="http://schemas.openxmlformats.org/markup-compatibility/2006" xmlns:p159="http://schemas.microsoft.com/office/powerpoint/2015/09/main">
-    <mc:Choice Requires="p159">
+  <mc:AlternateContent xmlns:mc="http://schemas.openxmlformats.org/markup-compatibility/2006">
+    <mc:Choice xmlns:p159="http://schemas.microsoft.com/office/powerpoint/2015/09/main" xmlns="" Requires="p159">
       <p:transition xmlns:p14="http://schemas.microsoft.com/office/powerpoint/2010/main" spd="slow" p14:dur="1750">
         <p159:morph option="byObject"/>
       </p:transition>
     </mc:Choice>
-    <mc:Fallback xmlns="">
+    <mc:Fallback>
       <p:transition spd="slow">
         <p:fade/>
       </p:transition>
@@ -6119,8 +6155,12 @@
           <a:lstStyle/>
           <a:p>
             <a:r>
+              <a:rPr lang="nl-NL" dirty="0" smtClean="0"/>
+              <a:t>Group </a:t>
+            </a:r>
+            <a:r>
               <a:rPr lang="nl-NL" dirty="0"/>
-              <a:t>Groep 2</a:t>
+              <a:t>2</a:t>
             </a:r>
             <a:endParaRPr lang="en-GB" dirty="0"/>
           </a:p>
@@ -6209,25 +6249,32 @@
     </p:spTree>
     <p:extLst>
       <p:ext uri="{BB962C8B-B14F-4D97-AF65-F5344CB8AC3E}">
-        <p14:creationId xmlns:p14="http://schemas.microsoft.com/office/powerpoint/2010/main" val="2094215243"/>
+        <p14:creationId xmlns:p14="http://schemas.microsoft.com/office/powerpoint/2010/main" xmlns="" val="2094215243"/>
       </p:ext>
     </p:extLst>
   </p:cSld>
   <p:clrMapOvr>
     <a:masterClrMapping/>
   </p:clrMapOvr>
-  <mc:AlternateContent xmlns:mc="http://schemas.openxmlformats.org/markup-compatibility/2006" xmlns:p15="http://schemas.microsoft.com/office/powerpoint/2012/main">
-    <mc:Choice Requires="p15">
+  <mc:AlternateContent xmlns:mc="http://schemas.openxmlformats.org/markup-compatibility/2006">
+    <mc:Choice xmlns:p15="http://schemas.microsoft.com/office/powerpoint/2012/main" xmlns="" Requires="p15">
       <p:transition xmlns:p14="http://schemas.microsoft.com/office/powerpoint/2010/main" spd="slow" p14:dur="6250">
         <p15:prstTrans prst="curtains"/>
       </p:transition>
     </mc:Choice>
-    <mc:Fallback xmlns="">
+    <mc:Fallback>
       <p:transition spd="slow">
         <p:fade/>
       </p:transition>
     </mc:Fallback>
   </mc:AlternateContent>
+  <p:timing>
+    <p:tnLst>
+      <p:par>
+        <p:cTn id="1" dur="indefinite" restart="never" nodeType="tmRoot"/>
+      </p:par>
+    </p:tnLst>
+  </p:timing>
 </p:sld>
 </file>
 
@@ -6319,17 +6366,10 @@
               </a:tabLst>
             </a:pPr>
             <a:r>
-              <a:rPr lang="en-GB" altLang="en-US" dirty="0"/>
-              <a:t>Timo: Database, navigation bar, </a:t>
-            </a:r>
-            <a:r>
-              <a:rPr lang="en-GB" altLang="en-US" dirty="0" err="1"/>
-              <a:t>wishlist</a:t>
-            </a:r>
-            <a:r>
-              <a:rPr lang="en-GB" altLang="en-US" dirty="0"/>
-              <a:t>, searching filters, use case</a:t>
-            </a:r>
+              <a:rPr lang="en-GB" altLang="en-US" dirty="0" err="1" smtClean="0"/>
+              <a:t>Timo</a:t>
+            </a:r>
+            <a:endParaRPr lang="en-GB" altLang="en-US" dirty="0"/>
           </a:p>
           <a:p>
             <a:pPr marL="430213" indent="-323850">
@@ -6361,17 +6401,10 @@
               </a:tabLst>
             </a:pPr>
             <a:r>
-              <a:rPr lang="en-GB" altLang="en-US" dirty="0"/>
-              <a:t>Stef: Login, registration, database, flowchart, logout, </a:t>
-            </a:r>
-            <a:r>
-              <a:rPr lang="en-GB" altLang="en-US" dirty="0" err="1"/>
-              <a:t>api</a:t>
-            </a:r>
-            <a:r>
-              <a:rPr lang="en-GB" altLang="en-US" dirty="0"/>
-              <a:t>, git-wizard</a:t>
-            </a:r>
+              <a:rPr lang="en-GB" altLang="en-US" dirty="0" err="1" smtClean="0"/>
+              <a:t>Stef</a:t>
+            </a:r>
+            <a:endParaRPr lang="en-GB" altLang="en-US" dirty="0"/>
           </a:p>
           <a:p>
             <a:pPr marL="430213" indent="-323850">
@@ -6403,17 +6436,10 @@
               </a:tabLst>
             </a:pPr>
             <a:r>
-              <a:rPr lang="en-GB" altLang="en-US" dirty="0"/>
-              <a:t>Thom: </a:t>
-            </a:r>
-            <a:r>
-              <a:rPr lang="en-GB" altLang="en-US" dirty="0" err="1"/>
-              <a:t>Css</a:t>
-            </a:r>
-            <a:r>
-              <a:rPr lang="en-GB" altLang="en-US" dirty="0"/>
-              <a:t>, html, flask, login, registration</a:t>
-            </a:r>
+              <a:rPr lang="en-GB" altLang="en-US" dirty="0" smtClean="0"/>
+              <a:t>Thom</a:t>
+            </a:r>
+            <a:endParaRPr lang="en-GB" altLang="en-US" dirty="0"/>
           </a:p>
           <a:p>
             <a:pPr marL="430213" indent="-323850">
@@ -6445,28 +6471,8 @@
               </a:tabLst>
             </a:pPr>
             <a:r>
-              <a:rPr lang="en-GB" altLang="en-US" dirty="0"/>
-              <a:t>Paul: </a:t>
-            </a:r>
-            <a:r>
-              <a:rPr lang="en-GB" altLang="en-US" dirty="0" err="1"/>
-              <a:t>Wishlist</a:t>
-            </a:r>
-            <a:r>
-              <a:rPr lang="en-GB" altLang="en-US" dirty="0"/>
-              <a:t>, database, searching, </a:t>
-            </a:r>
-            <a:r>
-              <a:rPr lang="en-GB" altLang="en-US" dirty="0" err="1"/>
-              <a:t>html+css</a:t>
-            </a:r>
-            <a:r>
-              <a:rPr lang="en-GB" altLang="en-US" dirty="0"/>
-              <a:t>, </a:t>
-            </a:r>
-            <a:r>
-              <a:rPr lang="en-GB" altLang="en-US" dirty="0" err="1"/>
-              <a:t>jquery</a:t>
+              <a:rPr lang="en-GB" altLang="en-US" dirty="0" smtClean="0"/>
+              <a:t>Paul</a:t>
             </a:r>
             <a:endParaRPr lang="en-GB" altLang="en-US" dirty="0"/>
           </a:p>
@@ -6500,17 +6506,10 @@
               </a:tabLst>
             </a:pPr>
             <a:r>
-              <a:rPr lang="en-GB" altLang="en-US" dirty="0"/>
-              <a:t>Marcel: Scrum master, </a:t>
-            </a:r>
-            <a:r>
-              <a:rPr lang="en-GB" altLang="en-US" dirty="0" err="1"/>
-              <a:t>architectual</a:t>
-            </a:r>
-            <a:r>
-              <a:rPr lang="en-GB" altLang="en-US" dirty="0"/>
-              <a:t> diagrams, presentations, searching items</a:t>
-            </a:r>
+              <a:rPr lang="en-GB" altLang="en-US" smtClean="0"/>
+              <a:t>Marcel</a:t>
+            </a:r>
+            <a:endParaRPr lang="en-GB" altLang="en-US" dirty="0"/>
           </a:p>
           <a:p>
             <a:endParaRPr lang="en-GB" dirty="0"/>
@@ -6520,20 +6519,20 @@
     </p:spTree>
     <p:extLst>
       <p:ext uri="{BB962C8B-B14F-4D97-AF65-F5344CB8AC3E}">
-        <p14:creationId xmlns:p14="http://schemas.microsoft.com/office/powerpoint/2010/main" val="601708670"/>
+        <p14:creationId xmlns:p14="http://schemas.microsoft.com/office/powerpoint/2010/main" xmlns="" val="601708670"/>
       </p:ext>
     </p:extLst>
   </p:cSld>
   <p:clrMapOvr>
     <a:masterClrMapping/>
   </p:clrMapOvr>
-  <mc:AlternateContent xmlns:mc="http://schemas.openxmlformats.org/markup-compatibility/2006" xmlns:p159="http://schemas.microsoft.com/office/powerpoint/2015/09/main">
-    <mc:Choice Requires="p159">
+  <mc:AlternateContent xmlns:mc="http://schemas.openxmlformats.org/markup-compatibility/2006">
+    <mc:Choice xmlns:p159="http://schemas.microsoft.com/office/powerpoint/2015/09/main" xmlns="" Requires="p159">
       <p:transition xmlns:p14="http://schemas.microsoft.com/office/powerpoint/2010/main" spd="slow" p14:dur="1750">
         <p159:morph option="byObject"/>
       </p:transition>
     </mc:Choice>
-    <mc:Fallback xmlns="">
+    <mc:Fallback>
       <p:transition spd="slow">
         <p:fade/>
       </p:transition>
@@ -6596,7 +6595,7 @@
           <a:blip r:embed="rId2">
             <a:extLst>
               <a:ext uri="{28A0092B-C50C-407E-A947-70E740481C1C}">
-                <a14:useLocalDpi xmlns:a14="http://schemas.microsoft.com/office/drawing/2010/main" val="0"/>
+                <a14:useLocalDpi xmlns:a14="http://schemas.microsoft.com/office/drawing/2010/main" xmlns="" val="0"/>
               </a:ext>
             </a:extLst>
           </a:blip>
@@ -6616,7 +6615,7 @@
           <a:noFill/>
           <a:extLst>
             <a:ext uri="{909E8E84-426E-40DD-AFC4-6F175D3DCCD1}">
-              <a14:hiddenFill xmlns:a14="http://schemas.microsoft.com/office/drawing/2010/main">
+              <a14:hiddenFill xmlns:a14="http://schemas.microsoft.com/office/drawing/2010/main" xmlns="">
                 <a:solidFill>
                   <a:srgbClr val="FFFFFF"/>
                 </a:solidFill>
@@ -6628,20 +6627,20 @@
     </p:spTree>
     <p:extLst>
       <p:ext uri="{BB962C8B-B14F-4D97-AF65-F5344CB8AC3E}">
-        <p14:creationId xmlns:p14="http://schemas.microsoft.com/office/powerpoint/2010/main" val="2312078937"/>
+        <p14:creationId xmlns:p14="http://schemas.microsoft.com/office/powerpoint/2010/main" xmlns="" val="2312078937"/>
       </p:ext>
     </p:extLst>
   </p:cSld>
   <p:clrMapOvr>
     <a:masterClrMapping/>
   </p:clrMapOvr>
-  <mc:AlternateContent xmlns:mc="http://schemas.openxmlformats.org/markup-compatibility/2006" xmlns:p159="http://schemas.microsoft.com/office/powerpoint/2015/09/main">
-    <mc:Choice Requires="p159">
+  <mc:AlternateContent xmlns:mc="http://schemas.openxmlformats.org/markup-compatibility/2006">
+    <mc:Choice xmlns:p159="http://schemas.microsoft.com/office/powerpoint/2015/09/main" xmlns="" Requires="p159">
       <p:transition xmlns:p14="http://schemas.microsoft.com/office/powerpoint/2010/main" spd="slow" p14:dur="1750">
         <p159:morph option="byObject"/>
       </p:transition>
     </mc:Choice>
-    <mc:Fallback xmlns="">
+    <mc:Fallback>
       <p:transition spd="slow">
         <p:fade/>
       </p:transition>
@@ -6703,7 +6702,7 @@
         <p:spPr/>
         <p:txBody>
           <a:bodyPr>
-            <a:normAutofit fontScale="92500" lnSpcReduction="10000"/>
+            <a:normAutofit/>
           </a:bodyPr>
           <a:lstStyle/>
           <a:p>
@@ -6736,14 +6735,9 @@
               </a:tabLst>
             </a:pPr>
             <a:r>
-              <a:rPr lang="en-GB" altLang="en-US" dirty="0"/>
-              <a:t>The </a:t>
-            </a:r>
-            <a:r>
-              <a:rPr lang="en-GB" altLang="en-US" dirty="0" err="1"/>
-              <a:t>webshop</a:t>
-            </a:r>
-            <a:endParaRPr lang="en-GB" altLang="en-US" dirty="0"/>
+              <a:rPr lang="en-GB" altLang="en-US" dirty="0" smtClean="0"/>
+              <a:t>Features</a:t>
+            </a:r>
           </a:p>
           <a:p>
             <a:pPr marL="558800" indent="-557213">
@@ -6775,8 +6769,8 @@
               </a:tabLst>
             </a:pPr>
             <a:r>
-              <a:rPr lang="en-GB" altLang="en-US" dirty="0"/>
-              <a:t>What we have done</a:t>
+              <a:rPr lang="en-GB" altLang="en-US" dirty="0" smtClean="0"/>
+              <a:t>Development tools</a:t>
             </a:r>
           </a:p>
           <a:p>
@@ -6809,39 +6803,9 @@
               </a:tabLst>
             </a:pPr>
             <a:r>
-              <a:rPr lang="en-GB" altLang="en-US" dirty="0"/>
-              <a:t>Problems we encountered</a:t>
-            </a:r>
-          </a:p>
-          <a:p>
-            <a:pPr marL="558800" indent="-557213">
-              <a:buSzPct val="45000"/>
-              <a:buFont typeface="Wingdings" panose="05000000000000000000" pitchFamily="2" charset="2"/>
-              <a:buNone/>
-              <a:tabLst>
-                <a:tab pos="558800" algn="l"/>
-                <a:tab pos="663575" algn="l"/>
-                <a:tab pos="1112838" algn="l"/>
-                <a:tab pos="1562100" algn="l"/>
-                <a:tab pos="2011363" algn="l"/>
-                <a:tab pos="2460625" algn="l"/>
-                <a:tab pos="2909888" algn="l"/>
-                <a:tab pos="3359150" algn="l"/>
-                <a:tab pos="3808413" algn="l"/>
-                <a:tab pos="4257675" algn="l"/>
-                <a:tab pos="4706938" algn="l"/>
-                <a:tab pos="5156200" algn="l"/>
-                <a:tab pos="5605463" algn="l"/>
-                <a:tab pos="6054725" algn="l"/>
-                <a:tab pos="6503988" algn="l"/>
-                <a:tab pos="6953250" algn="l"/>
-                <a:tab pos="7402513" algn="l"/>
-                <a:tab pos="7851775" algn="l"/>
-                <a:tab pos="8301038" algn="l"/>
-                <a:tab pos="8750300" algn="l"/>
-                <a:tab pos="9199563" algn="l"/>
-              </a:tabLst>
-            </a:pPr>
+              <a:rPr lang="en-GB" altLang="en-US" dirty="0" smtClean="0"/>
+              <a:t>Techniques</a:t>
+            </a:r>
             <a:endParaRPr lang="en-GB" altLang="en-US" dirty="0"/>
           </a:p>
           <a:p>
@@ -6874,9 +6838,18 @@
               </a:tabLst>
             </a:pPr>
             <a:r>
+              <a:rPr lang="en-GB" altLang="en-US" dirty="0" smtClean="0"/>
+              <a:t>Problems </a:t>
+            </a:r>
+            <a:r>
               <a:rPr lang="en-GB" altLang="en-US" dirty="0"/>
-              <a:t>Personal contributions</a:t>
-            </a:r>
+              <a:t>we </a:t>
+            </a:r>
+            <a:r>
+              <a:rPr lang="en-GB" altLang="en-US" dirty="0" smtClean="0"/>
+              <a:t>encountered</a:t>
+            </a:r>
+            <a:endParaRPr lang="en-GB" altLang="en-US" dirty="0"/>
           </a:p>
           <a:p>
             <a:pPr marL="558800" indent="-557213">
@@ -6908,9 +6881,10 @@
               </a:tabLst>
             </a:pPr>
             <a:r>
-              <a:rPr lang="en-GB" altLang="en-US" dirty="0"/>
-              <a:t>Screenshots</a:t>
-            </a:r>
+              <a:rPr lang="en-GB" altLang="en-US" dirty="0" smtClean="0"/>
+              <a:t>Demo</a:t>
+            </a:r>
+            <a:endParaRPr lang="en-GB" altLang="en-US" dirty="0"/>
           </a:p>
           <a:p>
             <a:pPr marL="558800" indent="-557213">
@@ -6942,9 +6916,10 @@
               </a:tabLst>
             </a:pPr>
             <a:r>
-              <a:rPr lang="en-GB" altLang="en-US" dirty="0"/>
-              <a:t>Demo</a:t>
-            </a:r>
+              <a:rPr lang="en-GB" altLang="en-US" dirty="0" smtClean="0"/>
+              <a:t>Personal contribution</a:t>
+            </a:r>
+            <a:endParaRPr lang="en-GB" altLang="en-US" dirty="0"/>
           </a:p>
           <a:p>
             <a:endParaRPr lang="en-GB" dirty="0"/>
@@ -6954,25 +6929,32 @@
     </p:spTree>
     <p:extLst>
       <p:ext uri="{BB962C8B-B14F-4D97-AF65-F5344CB8AC3E}">
-        <p14:creationId xmlns:p14="http://schemas.microsoft.com/office/powerpoint/2010/main" val="3772964953"/>
+        <p14:creationId xmlns:p14="http://schemas.microsoft.com/office/powerpoint/2010/main" xmlns="" val="3772964953"/>
       </p:ext>
     </p:extLst>
   </p:cSld>
   <p:clrMapOvr>
     <a:masterClrMapping/>
   </p:clrMapOvr>
-  <mc:AlternateContent xmlns:mc="http://schemas.openxmlformats.org/markup-compatibility/2006" xmlns:p159="http://schemas.microsoft.com/office/powerpoint/2015/09/main">
-    <mc:Choice Requires="p159">
+  <mc:AlternateContent xmlns:mc="http://schemas.openxmlformats.org/markup-compatibility/2006">
+    <mc:Choice xmlns:p159="http://schemas.microsoft.com/office/powerpoint/2015/09/main" xmlns="" Requires="p159">
       <p:transition xmlns:p14="http://schemas.microsoft.com/office/powerpoint/2010/main" spd="slow" p14:dur="1750">
         <p159:morph option="byObject"/>
       </p:transition>
     </mc:Choice>
-    <mc:Fallback xmlns="">
+    <mc:Fallback>
       <p:transition spd="slow">
         <p:fade/>
       </p:transition>
     </mc:Fallback>
   </mc:AlternateContent>
+  <p:timing>
+    <p:tnLst>
+      <p:par>
+        <p:cTn id="1" dur="indefinite" restart="never" nodeType="tmRoot"/>
+      </p:par>
+    </p:tnLst>
+  </p:timing>
 </p:sld>
 </file>
 
@@ -7011,8 +6993,8 @@
           <a:lstStyle/>
           <a:p>
             <a:r>
-              <a:rPr lang="nl-NL" dirty="0"/>
-              <a:t>The prototype</a:t>
+              <a:rPr lang="nl-NL" dirty="0" smtClean="0"/>
+              <a:t>Features</a:t>
             </a:r>
             <a:endParaRPr lang="en-GB" dirty="0"/>
           </a:p>
@@ -7035,7 +7017,9 @@
           </a:xfrm>
         </p:spPr>
         <p:txBody>
-          <a:bodyPr/>
+          <a:bodyPr>
+            <a:normAutofit/>
+          </a:bodyPr>
           <a:lstStyle/>
           <a:p>
             <a:pPr marL="430213" indent="-323850">
@@ -7067,8 +7051,8 @@
               </a:tabLst>
             </a:pPr>
             <a:r>
-              <a:rPr lang="en-GB" altLang="en-US" dirty="0"/>
-              <a:t>Searching for items</a:t>
+              <a:rPr lang="en-GB" dirty="0" smtClean="0"/>
+              <a:t>Filtering items</a:t>
             </a:r>
           </a:p>
           <a:p>
@@ -7101,9 +7085,10 @@
               </a:tabLst>
             </a:pPr>
             <a:r>
-              <a:rPr lang="en-GB" altLang="en-US" dirty="0"/>
-              <a:t>Logging in and registering</a:t>
-            </a:r>
+              <a:rPr lang="en-GB" dirty="0" smtClean="0"/>
+              <a:t>Register / login</a:t>
+            </a:r>
+            <a:endParaRPr lang="en-GB" dirty="0" smtClean="0"/>
           </a:p>
           <a:p>
             <a:pPr marL="430213" indent="-323850">
@@ -7135,16 +7120,39 @@
               </a:tabLst>
             </a:pPr>
             <a:r>
-              <a:rPr lang="en-GB" altLang="en-US" dirty="0"/>
-              <a:t>User </a:t>
-            </a:r>
-            <a:r>
-              <a:rPr lang="en-GB" altLang="en-US" dirty="0" err="1"/>
-              <a:t>wishlists</a:t>
-            </a:r>
-            <a:endParaRPr lang="en-GB" altLang="en-US" dirty="0"/>
-          </a:p>
-          <a:p>
+              <a:rPr lang="en-GB" dirty="0" smtClean="0"/>
+              <a:t>User wish lists</a:t>
+            </a:r>
+          </a:p>
+          <a:p>
+            <a:pPr marL="430213" indent="-323850">
+              <a:buSzPct val="45000"/>
+              <a:buFont typeface="Wingdings" panose="05000000000000000000" pitchFamily="2" charset="2"/>
+              <a:buChar char=""/>
+              <a:tabLst>
+                <a:tab pos="430213" algn="l"/>
+                <a:tab pos="534988" algn="l"/>
+                <a:tab pos="984250" algn="l"/>
+                <a:tab pos="1433513" algn="l"/>
+                <a:tab pos="1882775" algn="l"/>
+                <a:tab pos="2332038" algn="l"/>
+                <a:tab pos="2781300" algn="l"/>
+                <a:tab pos="3230563" algn="l"/>
+                <a:tab pos="3679825" algn="l"/>
+                <a:tab pos="4129088" algn="l"/>
+                <a:tab pos="4578350" algn="l"/>
+                <a:tab pos="5027613" algn="l"/>
+                <a:tab pos="5476875" algn="l"/>
+                <a:tab pos="5926138" algn="l"/>
+                <a:tab pos="6375400" algn="l"/>
+                <a:tab pos="6824663" algn="l"/>
+                <a:tab pos="7273925" algn="l"/>
+                <a:tab pos="7723188" algn="l"/>
+                <a:tab pos="8172450" algn="l"/>
+                <a:tab pos="8621713" algn="l"/>
+                <a:tab pos="9070975" algn="l"/>
+              </a:tabLst>
+            </a:pPr>
             <a:endParaRPr lang="en-GB" dirty="0"/>
           </a:p>
         </p:txBody>
@@ -7152,25 +7160,32 @@
     </p:spTree>
     <p:extLst>
       <p:ext uri="{BB962C8B-B14F-4D97-AF65-F5344CB8AC3E}">
-        <p14:creationId xmlns:p14="http://schemas.microsoft.com/office/powerpoint/2010/main" val="3188171503"/>
+        <p14:creationId xmlns:p14="http://schemas.microsoft.com/office/powerpoint/2010/main" xmlns="" val="3188171503"/>
       </p:ext>
     </p:extLst>
   </p:cSld>
   <p:clrMapOvr>
     <a:masterClrMapping/>
   </p:clrMapOvr>
-  <mc:AlternateContent xmlns:mc="http://schemas.openxmlformats.org/markup-compatibility/2006" xmlns:p159="http://schemas.microsoft.com/office/powerpoint/2015/09/main">
-    <mc:Choice Requires="p159">
+  <mc:AlternateContent xmlns:mc="http://schemas.openxmlformats.org/markup-compatibility/2006">
+    <mc:Choice xmlns:p159="http://schemas.microsoft.com/office/powerpoint/2015/09/main" xmlns="" Requires="p159">
       <p:transition xmlns:p14="http://schemas.microsoft.com/office/powerpoint/2010/main" spd="slow" p14:dur="2000">
         <p159:morph option="byObject"/>
       </p:transition>
     </mc:Choice>
-    <mc:Fallback xmlns="">
+    <mc:Fallback>
       <p:transition spd="slow">
         <p:fade/>
       </p:transition>
     </mc:Fallback>
   </mc:AlternateContent>
+  <p:timing>
+    <p:tnLst>
+      <p:par>
+        <p:cTn id="1" dur="indefinite" restart="never" nodeType="tmRoot"/>
+      </p:par>
+    </p:tnLst>
+  </p:timing>
 </p:sld>
 </file>
 
@@ -7209,8 +7224,20 @@
           <a:lstStyle/>
           <a:p>
             <a:r>
-              <a:rPr lang="nl-NL" dirty="0"/>
-              <a:t>Screenshots</a:t>
+              <a:rPr lang="nl-NL" dirty="0" err="1" smtClean="0"/>
+              <a:t>Development</a:t>
+            </a:r>
+            <a:r>
+              <a:rPr lang="nl-NL" dirty="0" smtClean="0"/>
+              <a:t> </a:t>
+            </a:r>
+            <a:r>
+              <a:rPr lang="nl-NL" dirty="0" err="1" smtClean="0"/>
+              <a:t>t</a:t>
+            </a:r>
+            <a:r>
+              <a:rPr lang="nl-NL" dirty="0" err="1" smtClean="0"/>
+              <a:t>ools</a:t>
             </a:r>
             <a:endParaRPr lang="en-GB" dirty="0"/>
           </a:p>
@@ -7228,46 +7255,151 @@
         </p:nvSpPr>
         <p:spPr>
           <a:xfrm>
-            <a:off x="5305929" y="1963373"/>
-            <a:ext cx="2041356" cy="956290"/>
+            <a:off x="1295402" y="2540890"/>
+            <a:ext cx="9601196" cy="2047152"/>
           </a:xfrm>
         </p:spPr>
         <p:txBody>
           <a:bodyPr/>
           <a:lstStyle/>
           <a:p>
-            <a:pPr marL="0" indent="0">
-              <a:buNone/>
-            </a:pPr>
-            <a:r>
-              <a:rPr lang="nl-NL" dirty="0"/>
-              <a:t>Homepage</a:t>
-            </a:r>
-          </a:p>
-        </p:txBody>
-      </p:sp>
+            <a:endParaRPr lang="en-GB" dirty="0"/>
+          </a:p>
+        </p:txBody>
+      </p:sp>
+      <p:pic>
+        <p:nvPicPr>
+          <p:cNvPr id="12290" name="Picture 2" descr="Image result for visual studio code"/>
+          <p:cNvPicPr>
+            <a:picLocks noChangeAspect="1" noChangeArrowheads="1"/>
+          </p:cNvPicPr>
+          <p:nvPr/>
+        </p:nvPicPr>
+        <p:blipFill>
+          <a:blip r:embed="rId2"/>
+          <a:srcRect/>
+          <a:stretch>
+            <a:fillRect/>
+          </a:stretch>
+        </p:blipFill>
+        <p:spPr bwMode="auto">
+          <a:xfrm>
+            <a:off x="2316313" y="2608144"/>
+            <a:ext cx="1674662" cy="1674662"/>
+          </a:xfrm>
+          <a:prstGeom prst="rect">
+            <a:avLst/>
+          </a:prstGeom>
+          <a:noFill/>
+        </p:spPr>
+      </p:pic>
+      <p:pic>
+        <p:nvPicPr>
+          <p:cNvPr id="12292" name="Picture 4" descr="Image result for github"/>
+          <p:cNvPicPr>
+            <a:picLocks noChangeAspect="1" noChangeArrowheads="1"/>
+          </p:cNvPicPr>
+          <p:nvPr/>
+        </p:nvPicPr>
+        <p:blipFill>
+          <a:blip r:embed="rId3" cstate="print"/>
+          <a:srcRect/>
+          <a:stretch>
+            <a:fillRect/>
+          </a:stretch>
+        </p:blipFill>
+        <p:spPr bwMode="auto">
+          <a:xfrm>
+            <a:off x="3960183" y="2602256"/>
+            <a:ext cx="3207606" cy="1683993"/>
+          </a:xfrm>
+          <a:prstGeom prst="rect">
+            <a:avLst/>
+          </a:prstGeom>
+          <a:noFill/>
+        </p:spPr>
+      </p:pic>
+      <p:pic>
+        <p:nvPicPr>
+          <p:cNvPr id="12296" name="Picture 8" descr="Image result for flask python"/>
+          <p:cNvPicPr>
+            <a:picLocks noChangeAspect="1" noChangeArrowheads="1"/>
+          </p:cNvPicPr>
+          <p:nvPr/>
+        </p:nvPicPr>
+        <p:blipFill>
+          <a:blip r:embed="rId4"/>
+          <a:srcRect/>
+          <a:stretch>
+            <a:fillRect/>
+          </a:stretch>
+        </p:blipFill>
+        <p:spPr bwMode="auto">
+          <a:xfrm>
+            <a:off x="6985000" y="2600326"/>
+            <a:ext cx="2580081" cy="1676399"/>
+          </a:xfrm>
+          <a:prstGeom prst="rect">
+            <a:avLst/>
+          </a:prstGeom>
+          <a:noFill/>
+        </p:spPr>
+      </p:pic>
+      <p:pic>
+        <p:nvPicPr>
+          <p:cNvPr id="12298" name="Picture 10" descr="Image result for jquery ajax"/>
+          <p:cNvPicPr>
+            <a:picLocks noChangeAspect="1" noChangeArrowheads="1"/>
+          </p:cNvPicPr>
+          <p:nvPr/>
+        </p:nvPicPr>
+        <p:blipFill>
+          <a:blip r:embed="rId5"/>
+          <a:srcRect/>
+          <a:stretch>
+            <a:fillRect/>
+          </a:stretch>
+        </p:blipFill>
+        <p:spPr bwMode="auto">
+          <a:xfrm>
+            <a:off x="1870075" y="4246563"/>
+            <a:ext cx="7702550" cy="1680334"/>
+          </a:xfrm>
+          <a:prstGeom prst="rect">
+            <a:avLst/>
+          </a:prstGeom>
+          <a:noFill/>
+        </p:spPr>
+      </p:pic>
     </p:spTree>
     <p:extLst>
       <p:ext uri="{BB962C8B-B14F-4D97-AF65-F5344CB8AC3E}">
-        <p14:creationId xmlns:p14="http://schemas.microsoft.com/office/powerpoint/2010/main" val="1422598357"/>
+        <p14:creationId xmlns:p14="http://schemas.microsoft.com/office/powerpoint/2010/main" xmlns="" val="3188171503"/>
       </p:ext>
     </p:extLst>
   </p:cSld>
   <p:clrMapOvr>
     <a:masterClrMapping/>
   </p:clrMapOvr>
-  <mc:AlternateContent xmlns:mc="http://schemas.openxmlformats.org/markup-compatibility/2006" xmlns:p159="http://schemas.microsoft.com/office/powerpoint/2015/09/main">
-    <mc:Choice Requires="p159">
+  <mc:AlternateContent xmlns:mc="http://schemas.openxmlformats.org/markup-compatibility/2006">
+    <mc:Choice xmlns:p159="http://schemas.microsoft.com/office/powerpoint/2015/09/main" xmlns="" Requires="p159">
       <p:transition xmlns:p14="http://schemas.microsoft.com/office/powerpoint/2010/main" spd="slow" p14:dur="2000">
         <p159:morph option="byObject"/>
       </p:transition>
     </mc:Choice>
-    <mc:Fallback xmlns="">
+    <mc:Fallback>
       <p:transition spd="slow">
         <p:fade/>
       </p:transition>
     </mc:Fallback>
   </mc:AlternateContent>
+  <p:timing>
+    <p:tnLst>
+      <p:par>
+        <p:cTn id="1" dur="indefinite" restart="never" nodeType="tmRoot"/>
+      </p:par>
+    </p:tnLst>
+  </p:timing>
 </p:sld>
 </file>
 
@@ -7300,12 +7432,14 @@
         </p:nvSpPr>
         <p:spPr/>
         <p:txBody>
-          <a:bodyPr/>
-          <a:lstStyle/>
-          <a:p>
-            <a:r>
-              <a:rPr lang="nl-NL" dirty="0" err="1"/>
-              <a:t>Searching</a:t>
+          <a:bodyPr>
+            <a:normAutofit/>
+          </a:bodyPr>
+          <a:lstStyle/>
+          <a:p>
+            <a:r>
+              <a:rPr lang="nl-NL" dirty="0" err="1" smtClean="0"/>
+              <a:t>Techniques</a:t>
             </a:r>
             <a:endParaRPr lang="en-GB" dirty="0"/>
           </a:p>
@@ -7321,37 +7455,55 @@
             <p:ph idx="1"/>
           </p:nvPr>
         </p:nvSpPr>
-        <p:spPr/>
-        <p:txBody>
-          <a:bodyPr/>
-          <a:lstStyle/>
-          <a:p>
-            <a:endParaRPr lang="en-GB"/>
+        <p:spPr>
+          <a:xfrm>
+            <a:off x="1295402" y="2540890"/>
+            <a:ext cx="9601196" cy="2047152"/>
+          </a:xfrm>
+        </p:spPr>
+        <p:txBody>
+          <a:bodyPr>
+            <a:normAutofit/>
+          </a:bodyPr>
+          <a:lstStyle/>
+          <a:p>
+            <a:r>
+              <a:rPr lang="en-GB" sz="3200" dirty="0" smtClean="0"/>
+              <a:t>MVC</a:t>
+            </a:r>
+            <a:endParaRPr lang="en-GB" sz="3200" dirty="0"/>
           </a:p>
         </p:txBody>
       </p:sp>
     </p:spTree>
     <p:extLst>
       <p:ext uri="{BB962C8B-B14F-4D97-AF65-F5344CB8AC3E}">
-        <p14:creationId xmlns:p14="http://schemas.microsoft.com/office/powerpoint/2010/main" val="2273091564"/>
+        <p14:creationId xmlns:p14="http://schemas.microsoft.com/office/powerpoint/2010/main" xmlns="" val="3188171503"/>
       </p:ext>
     </p:extLst>
   </p:cSld>
   <p:clrMapOvr>
     <a:masterClrMapping/>
   </p:clrMapOvr>
-  <mc:AlternateContent xmlns:mc="http://schemas.openxmlformats.org/markup-compatibility/2006" xmlns:p159="http://schemas.microsoft.com/office/powerpoint/2015/09/main">
-    <mc:Choice Requires="p159">
+  <mc:AlternateContent xmlns:mc="http://schemas.openxmlformats.org/markup-compatibility/2006">
+    <mc:Choice xmlns:p159="http://schemas.microsoft.com/office/powerpoint/2015/09/main" xmlns="" Requires="p159">
       <p:transition xmlns:p14="http://schemas.microsoft.com/office/powerpoint/2010/main" spd="slow" p14:dur="2000">
         <p159:morph option="byObject"/>
       </p:transition>
     </mc:Choice>
-    <mc:Fallback xmlns="">
+    <mc:Fallback>
       <p:transition spd="slow">
         <p:fade/>
       </p:transition>
     </mc:Fallback>
   </mc:AlternateContent>
+  <p:timing>
+    <p:tnLst>
+      <p:par>
+        <p:cTn id="1" dur="indefinite" restart="never" nodeType="tmRoot"/>
+      </p:par>
+    </p:tnLst>
+  </p:timing>
 </p:sld>
 </file>
 
@@ -7382,65 +7534,131 @@
             <p:ph type="title"/>
           </p:nvPr>
         </p:nvSpPr>
-        <p:spPr/>
-        <p:txBody>
-          <a:bodyPr/>
-          <a:lstStyle/>
-          <a:p>
-            <a:r>
-              <a:rPr lang="nl-NL" dirty="0"/>
-              <a:t>Product page</a:t>
-            </a:r>
-            <a:endParaRPr lang="en-GB" dirty="0"/>
-          </a:p>
-        </p:txBody>
-      </p:sp>
-      <p:sp>
-        <p:nvSpPr>
-          <p:cNvPr id="3" name="Tijdelijke aanduiding voor inhoud 2"/>
-          <p:cNvSpPr>
-            <a:spLocks noGrp="1"/>
-          </p:cNvSpPr>
-          <p:nvPr>
-            <p:ph idx="1"/>
-          </p:nvPr>
-        </p:nvSpPr>
         <p:spPr>
           <a:xfrm>
-            <a:off x="1295401" y="2556932"/>
-            <a:ext cx="9601196" cy="956289"/>
+            <a:off x="1323977" y="372532"/>
+            <a:ext cx="9601196" cy="1303867"/>
           </a:xfrm>
         </p:spPr>
         <p:txBody>
-          <a:bodyPr/>
-          <a:lstStyle/>
-          <a:p>
-            <a:endParaRPr lang="nl-NL" dirty="0"/>
-          </a:p>
-        </p:txBody>
-      </p:sp>
+          <a:bodyPr>
+            <a:normAutofit/>
+          </a:bodyPr>
+          <a:lstStyle/>
+          <a:p>
+            <a:r>
+              <a:rPr lang="nl-NL" dirty="0" err="1" smtClean="0"/>
+              <a:t>Technical</a:t>
+            </a:r>
+            <a:r>
+              <a:rPr lang="nl-NL" dirty="0" smtClean="0"/>
+              <a:t> </a:t>
+            </a:r>
+            <a:r>
+              <a:rPr lang="nl-NL" dirty="0" err="1" smtClean="0"/>
+              <a:t>diagrams</a:t>
+            </a:r>
+            <a:endParaRPr lang="en-GB" dirty="0"/>
+          </a:p>
+        </p:txBody>
+      </p:sp>
+      <p:pic>
+        <p:nvPicPr>
+          <p:cNvPr id="33794" name="Picture 2"/>
+          <p:cNvPicPr>
+            <a:picLocks noGrp="1" noChangeAspect="1" noChangeArrowheads="1"/>
+          </p:cNvPicPr>
+          <p:nvPr>
+            <p:ph idx="1"/>
+          </p:nvPr>
+        </p:nvPicPr>
+        <p:blipFill>
+          <a:blip r:embed="rId2"/>
+          <a:srcRect/>
+          <a:stretch>
+            <a:fillRect/>
+          </a:stretch>
+        </p:blipFill>
+        <p:spPr bwMode="auto">
+          <a:xfrm>
+            <a:off x="980291" y="2646363"/>
+            <a:ext cx="5270948" cy="3059112"/>
+          </a:xfrm>
+          <a:prstGeom prst="rect">
+            <a:avLst/>
+          </a:prstGeom>
+          <a:noFill/>
+          <a:ln w="9525">
+            <a:noFill/>
+            <a:miter lim="800000"/>
+            <a:headEnd/>
+            <a:tailEnd/>
+          </a:ln>
+          <a:effectLst/>
+        </p:spPr>
+      </p:pic>
+      <p:pic>
+        <p:nvPicPr>
+          <p:cNvPr id="9" name="Picture 4"/>
+          <p:cNvPicPr>
+            <a:picLocks noChangeAspect="1" noChangeArrowheads="1"/>
+          </p:cNvPicPr>
+          <p:nvPr/>
+        </p:nvPicPr>
+        <p:blipFill>
+          <a:blip r:embed="rId3" cstate="print"/>
+          <a:srcRect/>
+          <a:stretch>
+            <a:fillRect/>
+          </a:stretch>
+        </p:blipFill>
+        <p:spPr bwMode="auto">
+          <a:xfrm>
+            <a:off x="6995361" y="1400175"/>
+            <a:ext cx="4309326" cy="4686300"/>
+          </a:xfrm>
+          <a:prstGeom prst="rect">
+            <a:avLst/>
+          </a:prstGeom>
+          <a:noFill/>
+          <a:ln w="9525">
+            <a:noFill/>
+            <a:miter lim="800000"/>
+            <a:headEnd/>
+            <a:tailEnd/>
+          </a:ln>
+          <a:effectLst/>
+        </p:spPr>
+      </p:pic>
     </p:spTree>
     <p:extLst>
       <p:ext uri="{BB962C8B-B14F-4D97-AF65-F5344CB8AC3E}">
-        <p14:creationId xmlns:p14="http://schemas.microsoft.com/office/powerpoint/2010/main" val="3535662241"/>
+        <p14:creationId xmlns:p14="http://schemas.microsoft.com/office/powerpoint/2010/main" xmlns="" val="3188171503"/>
       </p:ext>
     </p:extLst>
   </p:cSld>
   <p:clrMapOvr>
     <a:masterClrMapping/>
   </p:clrMapOvr>
-  <mc:AlternateContent xmlns:mc="http://schemas.openxmlformats.org/markup-compatibility/2006" xmlns:p159="http://schemas.microsoft.com/office/powerpoint/2015/09/main">
-    <mc:Choice Requires="p159">
+  <mc:AlternateContent xmlns:mc="http://schemas.openxmlformats.org/markup-compatibility/2006">
+    <mc:Choice xmlns:p159="http://schemas.microsoft.com/office/powerpoint/2015/09/main" xmlns="" Requires="p159">
       <p:transition xmlns:p14="http://schemas.microsoft.com/office/powerpoint/2010/main" spd="slow" p14:dur="2000">
         <p159:morph option="byObject"/>
       </p:transition>
     </mc:Choice>
-    <mc:Fallback xmlns="">
+    <mc:Fallback>
       <p:transition spd="slow">
         <p:fade/>
       </p:transition>
     </mc:Fallback>
   </mc:AlternateContent>
+  <p:timing>
+    <p:tnLst>
+      <p:par>
+        <p:cTn id="1" dur="indefinite" restart="never" nodeType="tmRoot"/>
+      </p:par>
+    </p:tnLst>
+  </p:timing>
 </p:sld>
 </file>
 
@@ -7471,80 +7689,115 @@
             <p:ph type="title"/>
           </p:nvPr>
         </p:nvSpPr>
-        <p:spPr/>
-        <p:txBody>
-          <a:bodyPr/>
-          <a:lstStyle/>
-          <a:p>
-            <a:r>
-              <a:rPr lang="nl-NL" dirty="0" err="1"/>
-              <a:t>Registration</a:t>
-            </a:r>
-            <a:r>
-              <a:rPr lang="nl-NL" dirty="0"/>
-              <a:t> </a:t>
-            </a:r>
-            <a:r>
-              <a:rPr lang="nl-NL" dirty="0" err="1"/>
-              <a:t>and</a:t>
-            </a:r>
-            <a:r>
-              <a:rPr lang="nl-NL" dirty="0"/>
-              <a:t> login</a:t>
-            </a:r>
-            <a:endParaRPr lang="en-GB" dirty="0"/>
-          </a:p>
-        </p:txBody>
-      </p:sp>
-      <p:sp>
-        <p:nvSpPr>
-          <p:cNvPr id="3" name="Tijdelijke aanduiding voor inhoud 2"/>
-          <p:cNvSpPr>
-            <a:spLocks noGrp="1"/>
-          </p:cNvSpPr>
-          <p:nvPr>
-            <p:ph idx="1"/>
-          </p:nvPr>
-        </p:nvSpPr>
         <p:spPr>
           <a:xfrm>
-            <a:off x="1295401" y="2556932"/>
-            <a:ext cx="9601196" cy="1196921"/>
+            <a:off x="1323977" y="372532"/>
+            <a:ext cx="9601196" cy="1303867"/>
           </a:xfrm>
         </p:spPr>
         <p:txBody>
+          <a:bodyPr>
+            <a:normAutofit/>
+          </a:bodyPr>
+          <a:lstStyle/>
+          <a:p>
+            <a:r>
+              <a:rPr lang="nl-NL" dirty="0" err="1" smtClean="0"/>
+              <a:t>Technical</a:t>
+            </a:r>
+            <a:r>
+              <a:rPr lang="nl-NL" dirty="0" smtClean="0"/>
+              <a:t> </a:t>
+            </a:r>
+            <a:r>
+              <a:rPr lang="nl-NL" dirty="0" err="1" smtClean="0"/>
+              <a:t>diagrams</a:t>
+            </a:r>
+            <a:endParaRPr lang="en-GB" dirty="0"/>
+          </a:p>
+        </p:txBody>
+      </p:sp>
+      <p:sp>
+        <p:nvSpPr>
+          <p:cNvPr id="5" name="Tijdelijke aanduiding voor inhoud 4"/>
+          <p:cNvSpPr>
+            <a:spLocks noGrp="1"/>
+          </p:cNvSpPr>
+          <p:nvPr>
+            <p:ph idx="1"/>
+          </p:nvPr>
+        </p:nvSpPr>
+        <p:spPr/>
+        <p:txBody>
           <a:bodyPr/>
           <a:lstStyle/>
           <a:p>
-            <a:pPr marL="0" indent="0">
-              <a:buNone/>
-            </a:pPr>
-            <a:endParaRPr lang="en-GB" dirty="0"/>
-          </a:p>
-        </p:txBody>
-      </p:sp>
+            <a:endParaRPr lang="nl-NL" dirty="0"/>
+          </a:p>
+        </p:txBody>
+      </p:sp>
+      <p:pic>
+        <p:nvPicPr>
+          <p:cNvPr id="34818" name="Picture 2"/>
+          <p:cNvPicPr>
+            <a:picLocks noChangeAspect="1" noChangeArrowheads="1"/>
+          </p:cNvPicPr>
+          <p:nvPr/>
+        </p:nvPicPr>
+        <p:blipFill>
+          <a:blip r:embed="rId2"/>
+          <a:srcRect/>
+          <a:stretch>
+            <a:fillRect/>
+          </a:stretch>
+        </p:blipFill>
+        <p:spPr bwMode="auto">
+          <a:xfrm>
+            <a:off x="3457575" y="1409700"/>
+            <a:ext cx="4805425" cy="4648200"/>
+          </a:xfrm>
+          <a:prstGeom prst="rect">
+            <a:avLst/>
+          </a:prstGeom>
+          <a:noFill/>
+          <a:ln w="9525">
+            <a:noFill/>
+            <a:miter lim="800000"/>
+            <a:headEnd/>
+            <a:tailEnd/>
+          </a:ln>
+          <a:effectLst/>
+        </p:spPr>
+      </p:pic>
     </p:spTree>
     <p:extLst>
       <p:ext uri="{BB962C8B-B14F-4D97-AF65-F5344CB8AC3E}">
-        <p14:creationId xmlns:p14="http://schemas.microsoft.com/office/powerpoint/2010/main" val="1252814306"/>
+        <p14:creationId xmlns:p14="http://schemas.microsoft.com/office/powerpoint/2010/main" xmlns="" val="3188171503"/>
       </p:ext>
     </p:extLst>
   </p:cSld>
   <p:clrMapOvr>
     <a:masterClrMapping/>
   </p:clrMapOvr>
-  <mc:AlternateContent xmlns:mc="http://schemas.openxmlformats.org/markup-compatibility/2006" xmlns:p159="http://schemas.microsoft.com/office/powerpoint/2015/09/main">
-    <mc:Choice Requires="p159">
+  <mc:AlternateContent xmlns:mc="http://schemas.openxmlformats.org/markup-compatibility/2006">
+    <mc:Choice xmlns:p159="http://schemas.microsoft.com/office/powerpoint/2015/09/main" xmlns="" Requires="p159">
       <p:transition xmlns:p14="http://schemas.microsoft.com/office/powerpoint/2010/main" spd="slow" p14:dur="2000">
         <p159:morph option="byObject"/>
       </p:transition>
     </mc:Choice>
-    <mc:Fallback xmlns="">
+    <mc:Fallback>
       <p:transition spd="slow">
         <p:fade/>
       </p:transition>
     </mc:Fallback>
   </mc:AlternateContent>
+  <p:timing>
+    <p:tnLst>
+      <p:par>
+        <p:cTn id="1" dur="indefinite" restart="never" nodeType="tmRoot"/>
+      </p:par>
+    </p:tnLst>
+  </p:timing>
 </p:sld>
 </file>
 
@@ -7577,12 +7830,22 @@
         </p:nvSpPr>
         <p:spPr/>
         <p:txBody>
-          <a:bodyPr/>
-          <a:lstStyle/>
-          <a:p>
-            <a:r>
-              <a:rPr lang="nl-NL" dirty="0" err="1"/>
-              <a:t>Wishlist</a:t>
+          <a:bodyPr>
+            <a:normAutofit/>
+          </a:bodyPr>
+          <a:lstStyle/>
+          <a:p>
+            <a:r>
+              <a:rPr lang="nl-NL" dirty="0" err="1" smtClean="0"/>
+              <a:t>Problems</a:t>
+            </a:r>
+            <a:r>
+              <a:rPr lang="nl-NL" dirty="0" smtClean="0"/>
+              <a:t> we </a:t>
+            </a:r>
+            <a:r>
+              <a:rPr lang="nl-NL" dirty="0" err="1" smtClean="0"/>
+              <a:t>encountered</a:t>
             </a:r>
             <a:endParaRPr lang="en-GB" dirty="0"/>
           </a:p>
@@ -7590,85 +7853,92 @@
       </p:sp>
       <p:sp>
         <p:nvSpPr>
-          <p:cNvPr id="4" name="Tekstvak 3"/>
-          <p:cNvSpPr txBox="1"/>
-          <p:nvPr/>
+          <p:cNvPr id="3" name="Tijdelijke aanduiding voor inhoud 2"/>
+          <p:cNvSpPr>
+            <a:spLocks noGrp="1"/>
+          </p:cNvSpPr>
+          <p:nvPr>
+            <p:ph idx="1"/>
+          </p:nvPr>
         </p:nvSpPr>
         <p:spPr>
           <a:xfrm>
-            <a:off x="1295401" y="2688091"/>
-            <a:ext cx="4644866" cy="923330"/>
+            <a:off x="1295402" y="2540890"/>
+            <a:ext cx="9601196" cy="2047152"/>
           </a:xfrm>
-          <a:prstGeom prst="rect">
-            <a:avLst/>
-          </a:prstGeom>
-          <a:noFill/>
         </p:spPr>
         <p:txBody>
-          <a:bodyPr wrap="square" rtlCol="0">
-            <a:spAutoFit/>
-          </a:bodyPr>
-          <a:lstStyle/>
-          <a:p>
-            <a:endParaRPr lang="nl-NL" dirty="0"/>
-          </a:p>
-          <a:p>
-            <a:pPr marL="285750" indent="-285750">
-              <a:buFont typeface="Arial" panose="020B0604020202020204" pitchFamily="34" charset="0"/>
-              <a:buChar char="•"/>
+          <a:bodyPr/>
+          <a:lstStyle/>
+          <a:p>
+            <a:pPr marL="430213" indent="-323850">
+              <a:buSzPct val="45000"/>
+              <a:buFont typeface="Wingdings" panose="05000000000000000000" pitchFamily="2" charset="2"/>
+              <a:buChar char=""/>
+              <a:tabLst>
+                <a:tab pos="430213" algn="l"/>
+                <a:tab pos="534988" algn="l"/>
+                <a:tab pos="984250" algn="l"/>
+                <a:tab pos="1433513" algn="l"/>
+                <a:tab pos="1882775" algn="l"/>
+                <a:tab pos="2332038" algn="l"/>
+                <a:tab pos="2781300" algn="l"/>
+                <a:tab pos="3230563" algn="l"/>
+                <a:tab pos="3679825" algn="l"/>
+                <a:tab pos="4129088" algn="l"/>
+                <a:tab pos="4578350" algn="l"/>
+                <a:tab pos="5027613" algn="l"/>
+                <a:tab pos="5476875" algn="l"/>
+                <a:tab pos="5926138" algn="l"/>
+                <a:tab pos="6375400" algn="l"/>
+                <a:tab pos="6824663" algn="l"/>
+                <a:tab pos="7273925" algn="l"/>
+                <a:tab pos="7723188" algn="l"/>
+                <a:tab pos="8172450" algn="l"/>
+                <a:tab pos="8621713" algn="l"/>
+                <a:tab pos="9070975" algn="l"/>
+              </a:tabLst>
             </a:pPr>
-            <a:endParaRPr lang="nl-NL" dirty="0"/>
-          </a:p>
-          <a:p>
-            <a:pPr marL="285750" indent="-285750">
-              <a:buFont typeface="Arial" panose="020B0604020202020204" pitchFamily="34" charset="0"/>
-              <a:buChar char="•"/>
-            </a:pPr>
+            <a:r>
+              <a:rPr lang="en-GB" altLang="en-US" sz="3200" dirty="0" smtClean="0"/>
+              <a:t>No one with web development experience.</a:t>
+            </a:r>
+            <a:endParaRPr lang="en-GB" altLang="en-US" sz="3200" dirty="0"/>
+          </a:p>
+          <a:p>
             <a:endParaRPr lang="en-GB" dirty="0"/>
-          </a:p>
-        </p:txBody>
-      </p:sp>
-      <p:sp>
-        <p:nvSpPr>
-          <p:cNvPr id="3" name="Tijdelijke aanduiding voor inhoud 2"/>
-          <p:cNvSpPr>
-            <a:spLocks noGrp="1"/>
-          </p:cNvSpPr>
-          <p:nvPr>
-            <p:ph idx="1"/>
-          </p:nvPr>
-        </p:nvSpPr>
-        <p:spPr/>
-        <p:txBody>
-          <a:bodyPr/>
-          <a:lstStyle/>
-          <a:p>
-            <a:endParaRPr lang="en-GB"/>
           </a:p>
         </p:txBody>
       </p:sp>
     </p:spTree>
     <p:extLst>
       <p:ext uri="{BB962C8B-B14F-4D97-AF65-F5344CB8AC3E}">
-        <p14:creationId xmlns:p14="http://schemas.microsoft.com/office/powerpoint/2010/main" val="3963278728"/>
+        <p14:creationId xmlns:p14="http://schemas.microsoft.com/office/powerpoint/2010/main" xmlns="" val="3188171503"/>
       </p:ext>
     </p:extLst>
   </p:cSld>
   <p:clrMapOvr>
     <a:masterClrMapping/>
   </p:clrMapOvr>
-  <mc:AlternateContent xmlns:mc="http://schemas.openxmlformats.org/markup-compatibility/2006" xmlns:p159="http://schemas.microsoft.com/office/powerpoint/2015/09/main">
-    <mc:Choice Requires="p159">
-      <p:transition xmlns:p14="http://schemas.microsoft.com/office/powerpoint/2010/main" spd="slow" p14:dur="1750">
+  <mc:AlternateContent xmlns:mc="http://schemas.openxmlformats.org/markup-compatibility/2006">
+    <mc:Choice xmlns:p159="http://schemas.microsoft.com/office/powerpoint/2015/09/main" xmlns="" Requires="p159">
+      <p:transition xmlns:p14="http://schemas.microsoft.com/office/powerpoint/2010/main" spd="slow" p14:dur="2000">
         <p159:morph option="byObject"/>
       </p:transition>
     </mc:Choice>
-    <mc:Fallback xmlns="">
+    <mc:Fallback>
       <p:transition spd="slow">
         <p:fade/>
       </p:transition>
     </mc:Fallback>
   </mc:AlternateContent>
+  <p:timing>
+    <p:tnLst>
+      <p:par>
+        <p:cTn id="1" dur="indefinite" restart="never" nodeType="tmRoot"/>
+      </p:par>
+    </p:tnLst>
+  </p:timing>
 </p:sld>
 </file>
 
@@ -7734,25 +8004,32 @@
     </p:spTree>
     <p:extLst>
       <p:ext uri="{BB962C8B-B14F-4D97-AF65-F5344CB8AC3E}">
-        <p14:creationId xmlns:p14="http://schemas.microsoft.com/office/powerpoint/2010/main" val="1177763530"/>
+        <p14:creationId xmlns:p14="http://schemas.microsoft.com/office/powerpoint/2010/main" xmlns="" val="1177763530"/>
       </p:ext>
     </p:extLst>
   </p:cSld>
   <p:clrMapOvr>
     <a:masterClrMapping/>
   </p:clrMapOvr>
-  <mc:AlternateContent xmlns:mc="http://schemas.openxmlformats.org/markup-compatibility/2006" xmlns:p159="http://schemas.microsoft.com/office/powerpoint/2015/09/main">
-    <mc:Choice Requires="p159">
+  <mc:AlternateContent xmlns:mc="http://schemas.openxmlformats.org/markup-compatibility/2006">
+    <mc:Choice xmlns:p159="http://schemas.microsoft.com/office/powerpoint/2015/09/main" xmlns="" Requires="p159">
       <p:transition xmlns:p14="http://schemas.microsoft.com/office/powerpoint/2010/main" spd="slow" p14:dur="1750">
         <p159:morph option="byObject"/>
       </p:transition>
     </mc:Choice>
-    <mc:Fallback xmlns="">
+    <mc:Fallback>
       <p:transition spd="slow">
         <p:fade/>
       </p:transition>
     </mc:Fallback>
   </mc:AlternateContent>
+  <p:timing>
+    <p:tnLst>
+      <p:par>
+        <p:cTn id="1" dur="indefinite" restart="never" nodeType="tmRoot"/>
+      </p:par>
+    </p:tnLst>
+  </p:timing>
 </p:sld>
 </file>
 
@@ -7799,7 +8076,7 @@
     </a:clrScheme>
     <a:fontScheme name="Organisch">
       <a:majorFont>
-        <a:latin typeface="Garamond" panose="02020404030301010803"/>
+        <a:latin typeface="Garamond"/>
         <a:ea typeface=""/>
         <a:cs typeface=""/>
         <a:font script="Jpan" typeface="ＭＳ Ｐゴシック"/>
@@ -7834,7 +8111,7 @@
         <a:font script="Geor" typeface="Sylfaen"/>
       </a:majorFont>
       <a:minorFont>
-        <a:latin typeface="Garamond" panose="02020404030301010803"/>
+        <a:latin typeface="Garamond"/>
         <a:ea typeface=""/>
         <a:cs typeface=""/>
         <a:font script="Jpan" typeface="ＭＳ Ｐ明朝"/>
@@ -7983,7 +8260,7 @@
   <a:extraClrSchemeLst/>
   <a:extLst>
     <a:ext uri="{05A4C25C-085E-4340-85A3-A5531E510DB2}">
-      <thm15:themeFamily xmlns:thm15="http://schemas.microsoft.com/office/thememl/2012/main" name="Organic" id="{28CDC826-8792-45C0-861B-85EB3ADEDA33}" vid="{7DAC20F1-423D-49E2-BD0B-50532748BAD0}"/>
+      <thm15:themeFamily xmlns:thm15="http://schemas.microsoft.com/office/thememl/2012/main" xmlns="" name="Organic" id="{28CDC826-8792-45C0-861B-85EB3ADEDA33}" vid="{7DAC20F1-423D-49E2-BD0B-50532748BAD0}"/>
     </a:ext>
   </a:extLst>
 </a:theme>

--- a/Presentatie/presentatie project 2 eerste fase.pptx
+++ b/Presentatie/presentatie project 2 eerste fase.pptx
@@ -116,7 +116,18 @@
   </p:defaultTextStyle>
   <p:extLst>
     <p:ext uri="{EFAFB233-063F-42B5-8137-9DF3F51BA10A}">
-      <p15:sldGuideLst xmlns:p15="http://schemas.microsoft.com/office/powerpoint/2012/main" xmlns=""/>
+      <p15:sldGuideLst xmlns:p15="http://schemas.microsoft.com/office/powerpoint/2012/main">
+        <p15:guide id="1" orient="horz" pos="2160">
+          <p15:clr>
+            <a:srgbClr val="A4A3A4"/>
+          </p15:clr>
+        </p15:guide>
+        <p15:guide id="2" pos="3840">
+          <p15:clr>
+            <a:srgbClr val="A4A3A4"/>
+          </p15:clr>
+        </p15:guide>
+      </p15:sldGuideLst>
     </p:ext>
   </p:extLst>
 </p:presentation>
@@ -165,7 +176,7 @@
             <a:blip r:embed="rId2">
               <a:extLst>
                 <a:ext uri="{28A0092B-C50C-407E-A947-70E740481C1C}">
-                  <a14:useLocalDpi xmlns:a14="http://schemas.microsoft.com/office/drawing/2010/main" xmlns="" val="0"/>
+                  <a14:useLocalDpi xmlns:a14="http://schemas.microsoft.com/office/drawing/2010/main" val="0"/>
                 </a:ext>
               </a:extLst>
             </a:blip>
@@ -229,7 +240,7 @@
             <a:blip r:embed="rId3">
               <a:extLst>
                 <a:ext uri="{28A0092B-C50C-407E-A947-70E740481C1C}">
-                  <a14:useLocalDpi xmlns:a14="http://schemas.microsoft.com/office/drawing/2010/main" xmlns="" val="0"/>
+                  <a14:useLocalDpi xmlns:a14="http://schemas.microsoft.com/office/drawing/2010/main" val="0"/>
                 </a:ext>
               </a:extLst>
             </a:blip>
@@ -258,7 +269,7 @@
             <a:blip r:embed="rId3">
               <a:extLst>
                 <a:ext uri="{28A0092B-C50C-407E-A947-70E740481C1C}">
-                  <a14:useLocalDpi xmlns:a14="http://schemas.microsoft.com/office/drawing/2010/main" xmlns="" val="0"/>
+                  <a14:useLocalDpi xmlns:a14="http://schemas.microsoft.com/office/drawing/2010/main" val="0"/>
                 </a:ext>
               </a:extLst>
             </a:blip>
@@ -454,7 +465,7 @@
             <a:fld id="{7EDD6BA8-F7A2-4DB2-889F-158F0928BA1B}" type="datetimeFigureOut">
               <a:rPr lang="en-GB" smtClean="0"/>
               <a:pPr/>
-              <a:t>09/11/2016</a:t>
+              <a:t>10/11/2016</a:t>
             </a:fld>
             <a:endParaRPr lang="en-GB"/>
           </a:p>
@@ -546,20 +557,20 @@
     </p:spTree>
     <p:extLst>
       <p:ext uri="{BB962C8B-B14F-4D97-AF65-F5344CB8AC3E}">
-        <p14:creationId xmlns:p14="http://schemas.microsoft.com/office/powerpoint/2010/main" xmlns="" val="234935230"/>
+        <p14:creationId xmlns:p14="http://schemas.microsoft.com/office/powerpoint/2010/main" val="234935230"/>
       </p:ext>
     </p:extLst>
   </p:cSld>
   <p:clrMapOvr>
     <a:masterClrMapping/>
   </p:clrMapOvr>
-  <mc:AlternateContent xmlns:mc="http://schemas.openxmlformats.org/markup-compatibility/2006">
-    <mc:Choice xmlns:p159="http://schemas.microsoft.com/office/powerpoint/2015/09/main" xmlns="" Requires="p159">
+  <mc:AlternateContent xmlns:mc="http://schemas.openxmlformats.org/markup-compatibility/2006" xmlns:p159="http://schemas.microsoft.com/office/powerpoint/2015/09/main">
+    <mc:Choice Requires="p159">
       <p:transition xmlns:p14="http://schemas.microsoft.com/office/powerpoint/2010/main" spd="slow" p14:dur="1750">
         <p159:morph option="byObject"/>
       </p:transition>
     </mc:Choice>
-    <mc:Fallback>
+    <mc:Fallback xmlns="">
       <p:transition spd="slow">
         <p:fade/>
       </p:transition>
@@ -792,7 +803,7 @@
             <a:fld id="{7EDD6BA8-F7A2-4DB2-889F-158F0928BA1B}" type="datetimeFigureOut">
               <a:rPr lang="en-GB" smtClean="0"/>
               <a:pPr/>
-              <a:t>09/11/2016</a:t>
+              <a:t>10/11/2016</a:t>
             </a:fld>
             <a:endParaRPr lang="en-GB"/>
           </a:p>
@@ -844,20 +855,20 @@
     </p:spTree>
     <p:extLst>
       <p:ext uri="{BB962C8B-B14F-4D97-AF65-F5344CB8AC3E}">
-        <p14:creationId xmlns:p14="http://schemas.microsoft.com/office/powerpoint/2010/main" xmlns="" val="921442173"/>
+        <p14:creationId xmlns:p14="http://schemas.microsoft.com/office/powerpoint/2010/main" val="921442173"/>
       </p:ext>
     </p:extLst>
   </p:cSld>
   <p:clrMapOvr>
     <a:masterClrMapping/>
   </p:clrMapOvr>
-  <mc:AlternateContent xmlns:mc="http://schemas.openxmlformats.org/markup-compatibility/2006">
-    <mc:Choice xmlns:p159="http://schemas.microsoft.com/office/powerpoint/2015/09/main" xmlns="" Requires="p159">
+  <mc:AlternateContent xmlns:mc="http://schemas.openxmlformats.org/markup-compatibility/2006" xmlns:p159="http://schemas.microsoft.com/office/powerpoint/2015/09/main">
+    <mc:Choice Requires="p159">
       <p:transition xmlns:p14="http://schemas.microsoft.com/office/powerpoint/2010/main" spd="slow" p14:dur="1750">
         <p159:morph option="byObject"/>
       </p:transition>
     </mc:Choice>
-    <mc:Fallback>
+    <mc:Fallback xmlns="">
       <p:transition spd="slow">
         <p:fade/>
       </p:transition>
@@ -1054,7 +1065,7 @@
             <a:fld id="{7EDD6BA8-F7A2-4DB2-889F-158F0928BA1B}" type="datetimeFigureOut">
               <a:rPr lang="en-GB" smtClean="0"/>
               <a:pPr/>
-              <a:t>09/11/2016</a:t>
+              <a:t>10/11/2016</a:t>
             </a:fld>
             <a:endParaRPr lang="en-GB"/>
           </a:p>
@@ -1137,20 +1148,20 @@
     </p:spTree>
     <p:extLst>
       <p:ext uri="{BB962C8B-B14F-4D97-AF65-F5344CB8AC3E}">
-        <p14:creationId xmlns:p14="http://schemas.microsoft.com/office/powerpoint/2010/main" xmlns="" val="2447573042"/>
+        <p14:creationId xmlns:p14="http://schemas.microsoft.com/office/powerpoint/2010/main" val="2447573042"/>
       </p:ext>
     </p:extLst>
   </p:cSld>
   <p:clrMapOvr>
     <a:masterClrMapping/>
   </p:clrMapOvr>
-  <mc:AlternateContent xmlns:mc="http://schemas.openxmlformats.org/markup-compatibility/2006">
-    <mc:Choice xmlns:p159="http://schemas.microsoft.com/office/powerpoint/2015/09/main" xmlns="" Requires="p159">
+  <mc:AlternateContent xmlns:mc="http://schemas.openxmlformats.org/markup-compatibility/2006" xmlns:p159="http://schemas.microsoft.com/office/powerpoint/2015/09/main">
+    <mc:Choice Requires="p159">
       <p:transition xmlns:p14="http://schemas.microsoft.com/office/powerpoint/2010/main" spd="slow" p14:dur="1750">
         <p159:morph option="byObject"/>
       </p:transition>
     </mc:Choice>
-    <mc:Fallback>
+    <mc:Fallback xmlns="">
       <p:transition spd="slow">
         <p:fade/>
       </p:transition>
@@ -1407,7 +1418,7 @@
             <a:fld id="{7EDD6BA8-F7A2-4DB2-889F-158F0928BA1B}" type="datetimeFigureOut">
               <a:rPr lang="en-GB" smtClean="0"/>
               <a:pPr/>
-              <a:t>09/11/2016</a:t>
+              <a:t>10/11/2016</a:t>
             </a:fld>
             <a:endParaRPr lang="en-GB"/>
           </a:p>
@@ -1558,20 +1569,20 @@
     </p:spTree>
     <p:extLst>
       <p:ext uri="{BB962C8B-B14F-4D97-AF65-F5344CB8AC3E}">
-        <p14:creationId xmlns:p14="http://schemas.microsoft.com/office/powerpoint/2010/main" xmlns="" val="437130091"/>
+        <p14:creationId xmlns:p14="http://schemas.microsoft.com/office/powerpoint/2010/main" val="437130091"/>
       </p:ext>
     </p:extLst>
   </p:cSld>
   <p:clrMapOvr>
     <a:masterClrMapping/>
   </p:clrMapOvr>
-  <mc:AlternateContent xmlns:mc="http://schemas.openxmlformats.org/markup-compatibility/2006">
-    <mc:Choice xmlns:p159="http://schemas.microsoft.com/office/powerpoint/2015/09/main" xmlns="" Requires="p159">
+  <mc:AlternateContent xmlns:mc="http://schemas.openxmlformats.org/markup-compatibility/2006" xmlns:p159="http://schemas.microsoft.com/office/powerpoint/2015/09/main">
+    <mc:Choice Requires="p159">
       <p:transition xmlns:p14="http://schemas.microsoft.com/office/powerpoint/2010/main" spd="slow" p14:dur="1750">
         <p159:morph option="byObject"/>
       </p:transition>
     </mc:Choice>
-    <mc:Fallback>
+    <mc:Fallback xmlns="">
       <p:transition spd="slow">
         <p:fade/>
       </p:transition>
@@ -1768,7 +1779,7 @@
             <a:fld id="{7EDD6BA8-F7A2-4DB2-889F-158F0928BA1B}" type="datetimeFigureOut">
               <a:rPr lang="en-GB" smtClean="0"/>
               <a:pPr/>
-              <a:t>09/11/2016</a:t>
+              <a:t>10/11/2016</a:t>
             </a:fld>
             <a:endParaRPr lang="en-GB"/>
           </a:p>
@@ -1820,20 +1831,20 @@
     </p:spTree>
     <p:extLst>
       <p:ext uri="{BB962C8B-B14F-4D97-AF65-F5344CB8AC3E}">
-        <p14:creationId xmlns:p14="http://schemas.microsoft.com/office/powerpoint/2010/main" xmlns="" val="3750360672"/>
+        <p14:creationId xmlns:p14="http://schemas.microsoft.com/office/powerpoint/2010/main" val="3750360672"/>
       </p:ext>
     </p:extLst>
   </p:cSld>
   <p:clrMapOvr>
     <a:masterClrMapping/>
   </p:clrMapOvr>
-  <mc:AlternateContent xmlns:mc="http://schemas.openxmlformats.org/markup-compatibility/2006">
-    <mc:Choice xmlns:p159="http://schemas.microsoft.com/office/powerpoint/2015/09/main" xmlns="" Requires="p159">
+  <mc:AlternateContent xmlns:mc="http://schemas.openxmlformats.org/markup-compatibility/2006" xmlns:p159="http://schemas.microsoft.com/office/powerpoint/2015/09/main">
+    <mc:Choice Requires="p159">
       <p:transition xmlns:p14="http://schemas.microsoft.com/office/powerpoint/2010/main" spd="slow" p14:dur="1750">
         <p159:morph option="byObject"/>
       </p:transition>
     </mc:Choice>
-    <mc:Fallback>
+    <mc:Fallback xmlns="">
       <p:transition spd="slow">
         <p:fade/>
       </p:transition>
@@ -2156,7 +2167,7 @@
             <a:fld id="{7EDD6BA8-F7A2-4DB2-889F-158F0928BA1B}" type="datetimeFigureOut">
               <a:rPr lang="en-GB" smtClean="0"/>
               <a:pPr/>
-              <a:t>09/11/2016</a:t>
+              <a:t>10/11/2016</a:t>
             </a:fld>
             <a:endParaRPr lang="en-GB"/>
           </a:p>
@@ -2307,20 +2318,20 @@
     </p:spTree>
     <p:extLst>
       <p:ext uri="{BB962C8B-B14F-4D97-AF65-F5344CB8AC3E}">
-        <p14:creationId xmlns:p14="http://schemas.microsoft.com/office/powerpoint/2010/main" xmlns="" val="419255753"/>
+        <p14:creationId xmlns:p14="http://schemas.microsoft.com/office/powerpoint/2010/main" val="419255753"/>
       </p:ext>
     </p:extLst>
   </p:cSld>
   <p:clrMapOvr>
     <a:masterClrMapping/>
   </p:clrMapOvr>
-  <mc:AlternateContent xmlns:mc="http://schemas.openxmlformats.org/markup-compatibility/2006">
-    <mc:Choice xmlns:p159="http://schemas.microsoft.com/office/powerpoint/2015/09/main" xmlns="" Requires="p159">
+  <mc:AlternateContent xmlns:mc="http://schemas.openxmlformats.org/markup-compatibility/2006" xmlns:p159="http://schemas.microsoft.com/office/powerpoint/2015/09/main">
+    <mc:Choice Requires="p159">
       <p:transition xmlns:p14="http://schemas.microsoft.com/office/powerpoint/2010/main" spd="slow" p14:dur="1750">
         <p159:morph option="byObject"/>
       </p:transition>
     </mc:Choice>
-    <mc:Fallback>
+    <mc:Fallback xmlns="">
       <p:transition spd="slow">
         <p:fade/>
       </p:transition>
@@ -2640,7 +2651,7 @@
             <a:fld id="{7EDD6BA8-F7A2-4DB2-889F-158F0928BA1B}" type="datetimeFigureOut">
               <a:rPr lang="en-GB" smtClean="0"/>
               <a:pPr/>
-              <a:t>09/11/2016</a:t>
+              <a:t>10/11/2016</a:t>
             </a:fld>
             <a:endParaRPr lang="en-GB"/>
           </a:p>
@@ -2723,20 +2734,20 @@
     </p:spTree>
     <p:extLst>
       <p:ext uri="{BB962C8B-B14F-4D97-AF65-F5344CB8AC3E}">
-        <p14:creationId xmlns:p14="http://schemas.microsoft.com/office/powerpoint/2010/main" xmlns="" val="3744383809"/>
+        <p14:creationId xmlns:p14="http://schemas.microsoft.com/office/powerpoint/2010/main" val="3744383809"/>
       </p:ext>
     </p:extLst>
   </p:cSld>
   <p:clrMapOvr>
     <a:masterClrMapping/>
   </p:clrMapOvr>
-  <mc:AlternateContent xmlns:mc="http://schemas.openxmlformats.org/markup-compatibility/2006">
-    <mc:Choice xmlns:p159="http://schemas.microsoft.com/office/powerpoint/2015/09/main" xmlns="" Requires="p159">
+  <mc:AlternateContent xmlns:mc="http://schemas.openxmlformats.org/markup-compatibility/2006" xmlns:p159="http://schemas.microsoft.com/office/powerpoint/2015/09/main">
+    <mc:Choice Requires="p159">
       <p:transition xmlns:p14="http://schemas.microsoft.com/office/powerpoint/2010/main" spd="slow" p14:dur="1750">
         <p159:morph option="byObject"/>
       </p:transition>
     </mc:Choice>
-    <mc:Fallback>
+    <mc:Fallback xmlns="">
       <p:transition spd="slow">
         <p:fade/>
       </p:transition>
@@ -2859,7 +2870,7 @@
             <a:fld id="{7EDD6BA8-F7A2-4DB2-889F-158F0928BA1B}" type="datetimeFigureOut">
               <a:rPr lang="en-GB" smtClean="0"/>
               <a:pPr/>
-              <a:t>09/11/2016</a:t>
+              <a:t>10/11/2016</a:t>
             </a:fld>
             <a:endParaRPr lang="en-GB"/>
           </a:p>
@@ -2942,20 +2953,20 @@
     </p:spTree>
     <p:extLst>
       <p:ext uri="{BB962C8B-B14F-4D97-AF65-F5344CB8AC3E}">
-        <p14:creationId xmlns:p14="http://schemas.microsoft.com/office/powerpoint/2010/main" xmlns="" val="3894730432"/>
+        <p14:creationId xmlns:p14="http://schemas.microsoft.com/office/powerpoint/2010/main" val="3894730432"/>
       </p:ext>
     </p:extLst>
   </p:cSld>
   <p:clrMapOvr>
     <a:masterClrMapping/>
   </p:clrMapOvr>
-  <mc:AlternateContent xmlns:mc="http://schemas.openxmlformats.org/markup-compatibility/2006">
-    <mc:Choice xmlns:p159="http://schemas.microsoft.com/office/powerpoint/2015/09/main" xmlns="" Requires="p159">
+  <mc:AlternateContent xmlns:mc="http://schemas.openxmlformats.org/markup-compatibility/2006" xmlns:p159="http://schemas.microsoft.com/office/powerpoint/2015/09/main">
+    <mc:Choice Requires="p159">
       <p:transition xmlns:p14="http://schemas.microsoft.com/office/powerpoint/2010/main" spd="slow" p14:dur="1750">
         <p159:morph option="byObject"/>
       </p:transition>
     </mc:Choice>
-    <mc:Fallback>
+    <mc:Fallback xmlns="">
       <p:transition spd="slow">
         <p:fade/>
       </p:transition>
@@ -3084,7 +3095,7 @@
             <a:fld id="{7EDD6BA8-F7A2-4DB2-889F-158F0928BA1B}" type="datetimeFigureOut">
               <a:rPr lang="en-GB" smtClean="0"/>
               <a:pPr/>
-              <a:t>09/11/2016</a:t>
+              <a:t>10/11/2016</a:t>
             </a:fld>
             <a:endParaRPr lang="en-GB"/>
           </a:p>
@@ -3167,20 +3178,20 @@
     </p:spTree>
     <p:extLst>
       <p:ext uri="{BB962C8B-B14F-4D97-AF65-F5344CB8AC3E}">
-        <p14:creationId xmlns:p14="http://schemas.microsoft.com/office/powerpoint/2010/main" xmlns="" val="2939185764"/>
+        <p14:creationId xmlns:p14="http://schemas.microsoft.com/office/powerpoint/2010/main" val="2939185764"/>
       </p:ext>
     </p:extLst>
   </p:cSld>
   <p:clrMapOvr>
     <a:masterClrMapping/>
   </p:clrMapOvr>
-  <mc:AlternateContent xmlns:mc="http://schemas.openxmlformats.org/markup-compatibility/2006">
-    <mc:Choice xmlns:p159="http://schemas.microsoft.com/office/powerpoint/2015/09/main" xmlns="" Requires="p159">
+  <mc:AlternateContent xmlns:mc="http://schemas.openxmlformats.org/markup-compatibility/2006" xmlns:p159="http://schemas.microsoft.com/office/powerpoint/2015/09/main">
+    <mc:Choice Requires="p159">
       <p:transition xmlns:p14="http://schemas.microsoft.com/office/powerpoint/2010/main" spd="slow" p14:dur="1750">
         <p159:morph option="byObject"/>
       </p:transition>
     </mc:Choice>
-    <mc:Fallback>
+    <mc:Fallback xmlns="">
       <p:transition spd="slow">
         <p:fade/>
       </p:transition>
@@ -3330,7 +3341,7 @@
             <a:fld id="{7EDD6BA8-F7A2-4DB2-889F-158F0928BA1B}" type="datetimeFigureOut">
               <a:rPr lang="en-GB" smtClean="0"/>
               <a:pPr/>
-              <a:t>09/11/2016</a:t>
+              <a:t>10/11/2016</a:t>
             </a:fld>
             <a:endParaRPr lang="en-GB"/>
           </a:p>
@@ -3382,20 +3393,20 @@
     </p:spTree>
     <p:extLst>
       <p:ext uri="{BB962C8B-B14F-4D97-AF65-F5344CB8AC3E}">
-        <p14:creationId xmlns:p14="http://schemas.microsoft.com/office/powerpoint/2010/main" xmlns="" val="1588242495"/>
+        <p14:creationId xmlns:p14="http://schemas.microsoft.com/office/powerpoint/2010/main" val="1588242495"/>
       </p:ext>
     </p:extLst>
   </p:cSld>
   <p:clrMapOvr>
     <a:masterClrMapping/>
   </p:clrMapOvr>
-  <mc:AlternateContent xmlns:mc="http://schemas.openxmlformats.org/markup-compatibility/2006">
-    <mc:Choice xmlns:p159="http://schemas.microsoft.com/office/powerpoint/2015/09/main" xmlns="" Requires="p159">
+  <mc:AlternateContent xmlns:mc="http://schemas.openxmlformats.org/markup-compatibility/2006" xmlns:p159="http://schemas.microsoft.com/office/powerpoint/2015/09/main">
+    <mc:Choice Requires="p159">
       <p:transition xmlns:p14="http://schemas.microsoft.com/office/powerpoint/2010/main" spd="slow" p14:dur="1750">
         <p159:morph option="byObject"/>
       </p:transition>
     </mc:Choice>
-    <mc:Fallback>
+    <mc:Fallback xmlns="">
       <p:transition spd="slow">
         <p:fade/>
       </p:transition>
@@ -3592,7 +3603,7 @@
             <a:fld id="{7EDD6BA8-F7A2-4DB2-889F-158F0928BA1B}" type="datetimeFigureOut">
               <a:rPr lang="en-GB" smtClean="0"/>
               <a:pPr/>
-              <a:t>09/11/2016</a:t>
+              <a:t>10/11/2016</a:t>
             </a:fld>
             <a:endParaRPr lang="en-GB"/>
           </a:p>
@@ -3675,20 +3686,20 @@
     </p:spTree>
     <p:extLst>
       <p:ext uri="{BB962C8B-B14F-4D97-AF65-F5344CB8AC3E}">
-        <p14:creationId xmlns:p14="http://schemas.microsoft.com/office/powerpoint/2010/main" xmlns="" val="2082794965"/>
+        <p14:creationId xmlns:p14="http://schemas.microsoft.com/office/powerpoint/2010/main" val="2082794965"/>
       </p:ext>
     </p:extLst>
   </p:cSld>
   <p:clrMapOvr>
     <a:masterClrMapping/>
   </p:clrMapOvr>
-  <mc:AlternateContent xmlns:mc="http://schemas.openxmlformats.org/markup-compatibility/2006">
-    <mc:Choice xmlns:p159="http://schemas.microsoft.com/office/powerpoint/2015/09/main" xmlns="" Requires="p159">
+  <mc:AlternateContent xmlns:mc="http://schemas.openxmlformats.org/markup-compatibility/2006" xmlns:p159="http://schemas.microsoft.com/office/powerpoint/2015/09/main">
+    <mc:Choice Requires="p159">
       <p:transition xmlns:p14="http://schemas.microsoft.com/office/powerpoint/2010/main" spd="slow" p14:dur="1750">
         <p159:morph option="byObject"/>
       </p:transition>
     </mc:Choice>
-    <mc:Fallback>
+    <mc:Fallback xmlns="">
       <p:transition spd="slow">
         <p:fade/>
       </p:transition>
@@ -3904,7 +3915,7 @@
             <a:fld id="{7EDD6BA8-F7A2-4DB2-889F-158F0928BA1B}" type="datetimeFigureOut">
               <a:rPr lang="en-GB" smtClean="0"/>
               <a:pPr/>
-              <a:t>09/11/2016</a:t>
+              <a:t>10/11/2016</a:t>
             </a:fld>
             <a:endParaRPr lang="en-GB"/>
           </a:p>
@@ -3956,20 +3967,20 @@
     </p:spTree>
     <p:extLst>
       <p:ext uri="{BB962C8B-B14F-4D97-AF65-F5344CB8AC3E}">
-        <p14:creationId xmlns:p14="http://schemas.microsoft.com/office/powerpoint/2010/main" xmlns="" val="1227468002"/>
+        <p14:creationId xmlns:p14="http://schemas.microsoft.com/office/powerpoint/2010/main" val="1227468002"/>
       </p:ext>
     </p:extLst>
   </p:cSld>
   <p:clrMapOvr>
     <a:masterClrMapping/>
   </p:clrMapOvr>
-  <mc:AlternateContent xmlns:mc="http://schemas.openxmlformats.org/markup-compatibility/2006">
-    <mc:Choice xmlns:p159="http://schemas.microsoft.com/office/powerpoint/2015/09/main" xmlns="" Requires="p159">
+  <mc:AlternateContent xmlns:mc="http://schemas.openxmlformats.org/markup-compatibility/2006" xmlns:p159="http://schemas.microsoft.com/office/powerpoint/2015/09/main">
+    <mc:Choice Requires="p159">
       <p:transition xmlns:p14="http://schemas.microsoft.com/office/powerpoint/2010/main" spd="slow" p14:dur="1750">
         <p159:morph option="byObject"/>
       </p:transition>
     </mc:Choice>
-    <mc:Fallback>
+    <mc:Fallback xmlns="">
       <p:transition spd="slow">
         <p:fade/>
       </p:transition>
@@ -4312,7 +4323,7 @@
             <a:fld id="{7EDD6BA8-F7A2-4DB2-889F-158F0928BA1B}" type="datetimeFigureOut">
               <a:rPr lang="en-GB" smtClean="0"/>
               <a:pPr/>
-              <a:t>09/11/2016</a:t>
+              <a:t>10/11/2016</a:t>
             </a:fld>
             <a:endParaRPr lang="en-GB"/>
           </a:p>
@@ -4395,20 +4406,20 @@
     </p:spTree>
     <p:extLst>
       <p:ext uri="{BB962C8B-B14F-4D97-AF65-F5344CB8AC3E}">
-        <p14:creationId xmlns:p14="http://schemas.microsoft.com/office/powerpoint/2010/main" xmlns="" val="2538909829"/>
+        <p14:creationId xmlns:p14="http://schemas.microsoft.com/office/powerpoint/2010/main" val="2538909829"/>
       </p:ext>
     </p:extLst>
   </p:cSld>
   <p:clrMapOvr>
     <a:masterClrMapping/>
   </p:clrMapOvr>
-  <mc:AlternateContent xmlns:mc="http://schemas.openxmlformats.org/markup-compatibility/2006">
-    <mc:Choice xmlns:p159="http://schemas.microsoft.com/office/powerpoint/2015/09/main" xmlns="" Requires="p159">
+  <mc:AlternateContent xmlns:mc="http://schemas.openxmlformats.org/markup-compatibility/2006" xmlns:p159="http://schemas.microsoft.com/office/powerpoint/2015/09/main">
+    <mc:Choice Requires="p159">
       <p:transition xmlns:p14="http://schemas.microsoft.com/office/powerpoint/2010/main" spd="slow" p14:dur="1750">
         <p159:morph option="byObject"/>
       </p:transition>
     </mc:Choice>
-    <mc:Fallback>
+    <mc:Fallback xmlns="">
       <p:transition spd="slow">
         <p:fade/>
       </p:transition>
@@ -4475,7 +4486,7 @@
             <a:fld id="{7EDD6BA8-F7A2-4DB2-889F-158F0928BA1B}" type="datetimeFigureOut">
               <a:rPr lang="en-GB" smtClean="0"/>
               <a:pPr/>
-              <a:t>09/11/2016</a:t>
+              <a:t>10/11/2016</a:t>
             </a:fld>
             <a:endParaRPr lang="en-GB"/>
           </a:p>
@@ -4558,20 +4569,20 @@
     </p:spTree>
     <p:extLst>
       <p:ext uri="{BB962C8B-B14F-4D97-AF65-F5344CB8AC3E}">
-        <p14:creationId xmlns:p14="http://schemas.microsoft.com/office/powerpoint/2010/main" xmlns="" val="3215171528"/>
+        <p14:creationId xmlns:p14="http://schemas.microsoft.com/office/powerpoint/2010/main" val="3215171528"/>
       </p:ext>
     </p:extLst>
   </p:cSld>
   <p:clrMapOvr>
     <a:masterClrMapping/>
   </p:clrMapOvr>
-  <mc:AlternateContent xmlns:mc="http://schemas.openxmlformats.org/markup-compatibility/2006">
-    <mc:Choice xmlns:p159="http://schemas.microsoft.com/office/powerpoint/2015/09/main" xmlns="" Requires="p159">
+  <mc:AlternateContent xmlns:mc="http://schemas.openxmlformats.org/markup-compatibility/2006" xmlns:p159="http://schemas.microsoft.com/office/powerpoint/2015/09/main">
+    <mc:Choice Requires="p159">
       <p:transition xmlns:p14="http://schemas.microsoft.com/office/powerpoint/2010/main" spd="slow" p14:dur="1750">
         <p159:morph option="byObject"/>
       </p:transition>
     </mc:Choice>
-    <mc:Fallback>
+    <mc:Fallback xmlns="">
       <p:transition spd="slow">
         <p:fade/>
       </p:transition>
@@ -4615,7 +4626,7 @@
             <a:fld id="{7EDD6BA8-F7A2-4DB2-889F-158F0928BA1B}" type="datetimeFigureOut">
               <a:rPr lang="en-GB" smtClean="0"/>
               <a:pPr/>
-              <a:t>09/11/2016</a:t>
+              <a:t>10/11/2016</a:t>
             </a:fld>
             <a:endParaRPr lang="en-GB"/>
           </a:p>
@@ -4667,20 +4678,20 @@
     </p:spTree>
     <p:extLst>
       <p:ext uri="{BB962C8B-B14F-4D97-AF65-F5344CB8AC3E}">
-        <p14:creationId xmlns:p14="http://schemas.microsoft.com/office/powerpoint/2010/main" xmlns="" val="3042234343"/>
+        <p14:creationId xmlns:p14="http://schemas.microsoft.com/office/powerpoint/2010/main" val="3042234343"/>
       </p:ext>
     </p:extLst>
   </p:cSld>
   <p:clrMapOvr>
     <a:masterClrMapping/>
   </p:clrMapOvr>
-  <mc:AlternateContent xmlns:mc="http://schemas.openxmlformats.org/markup-compatibility/2006">
-    <mc:Choice xmlns:p159="http://schemas.microsoft.com/office/powerpoint/2015/09/main" xmlns="" Requires="p159">
+  <mc:AlternateContent xmlns:mc="http://schemas.openxmlformats.org/markup-compatibility/2006" xmlns:p159="http://schemas.microsoft.com/office/powerpoint/2015/09/main">
+    <mc:Choice Requires="p159">
       <p:transition xmlns:p14="http://schemas.microsoft.com/office/powerpoint/2010/main" spd="slow" p14:dur="1750">
         <p159:morph option="byObject"/>
       </p:transition>
     </mc:Choice>
-    <mc:Fallback>
+    <mc:Fallback xmlns="">
       <p:transition spd="slow">
         <p:fade/>
       </p:transition>
@@ -4884,7 +4895,7 @@
             <a:fld id="{7EDD6BA8-F7A2-4DB2-889F-158F0928BA1B}" type="datetimeFigureOut">
               <a:rPr lang="en-GB" smtClean="0"/>
               <a:pPr/>
-              <a:t>09/11/2016</a:t>
+              <a:t>10/11/2016</a:t>
             </a:fld>
             <a:endParaRPr lang="en-GB"/>
           </a:p>
@@ -4967,20 +4978,20 @@
     </p:spTree>
     <p:extLst>
       <p:ext uri="{BB962C8B-B14F-4D97-AF65-F5344CB8AC3E}">
-        <p14:creationId xmlns:p14="http://schemas.microsoft.com/office/powerpoint/2010/main" xmlns="" val="2642264207"/>
+        <p14:creationId xmlns:p14="http://schemas.microsoft.com/office/powerpoint/2010/main" val="2642264207"/>
       </p:ext>
     </p:extLst>
   </p:cSld>
   <p:clrMapOvr>
     <a:masterClrMapping/>
   </p:clrMapOvr>
-  <mc:AlternateContent xmlns:mc="http://schemas.openxmlformats.org/markup-compatibility/2006">
-    <mc:Choice xmlns:p159="http://schemas.microsoft.com/office/powerpoint/2015/09/main" xmlns="" Requires="p159">
+  <mc:AlternateContent xmlns:mc="http://schemas.openxmlformats.org/markup-compatibility/2006" xmlns:p159="http://schemas.microsoft.com/office/powerpoint/2015/09/main">
+    <mc:Choice Requires="p159">
       <p:transition xmlns:p14="http://schemas.microsoft.com/office/powerpoint/2010/main" spd="slow" p14:dur="1750">
         <p159:morph option="byObject"/>
       </p:transition>
     </mc:Choice>
-    <mc:Fallback>
+    <mc:Fallback xmlns="">
       <p:transition spd="slow">
         <p:fade/>
       </p:transition>
@@ -5213,7 +5224,7 @@
             <a:fld id="{7EDD6BA8-F7A2-4DB2-889F-158F0928BA1B}" type="datetimeFigureOut">
               <a:rPr lang="en-GB" smtClean="0"/>
               <a:pPr/>
-              <a:t>09/11/2016</a:t>
+              <a:t>10/11/2016</a:t>
             </a:fld>
             <a:endParaRPr lang="en-GB"/>
           </a:p>
@@ -5265,20 +5276,20 @@
     </p:spTree>
     <p:extLst>
       <p:ext uri="{BB962C8B-B14F-4D97-AF65-F5344CB8AC3E}">
-        <p14:creationId xmlns:p14="http://schemas.microsoft.com/office/powerpoint/2010/main" xmlns="" val="2333659576"/>
+        <p14:creationId xmlns:p14="http://schemas.microsoft.com/office/powerpoint/2010/main" val="2333659576"/>
       </p:ext>
     </p:extLst>
   </p:cSld>
   <p:clrMapOvr>
     <a:masterClrMapping/>
   </p:clrMapOvr>
-  <mc:AlternateContent xmlns:mc="http://schemas.openxmlformats.org/markup-compatibility/2006">
-    <mc:Choice xmlns:p159="http://schemas.microsoft.com/office/powerpoint/2015/09/main" xmlns="" Requires="p159">
+  <mc:AlternateContent xmlns:mc="http://schemas.openxmlformats.org/markup-compatibility/2006" xmlns:p159="http://schemas.microsoft.com/office/powerpoint/2015/09/main">
+    <mc:Choice Requires="p159">
       <p:transition xmlns:p14="http://schemas.microsoft.com/office/powerpoint/2010/main" spd="slow" p14:dur="1750">
         <p159:morph option="byObject"/>
       </p:transition>
     </mc:Choice>
-    <mc:Fallback>
+    <mc:Fallback xmlns="">
       <p:transition spd="slow">
         <p:fade/>
       </p:transition>
@@ -5335,7 +5346,7 @@
             <a:blip r:embed="rId19">
               <a:extLst>
                 <a:ext uri="{28A0092B-C50C-407E-A947-70E740481C1C}">
-                  <a14:useLocalDpi xmlns:a14="http://schemas.microsoft.com/office/drawing/2010/main" xmlns="" val="0"/>
+                  <a14:useLocalDpi xmlns:a14="http://schemas.microsoft.com/office/drawing/2010/main" val="0"/>
                 </a:ext>
               </a:extLst>
             </a:blip>
@@ -5399,7 +5410,7 @@
             <a:blip r:embed="rId20">
               <a:extLst>
                 <a:ext uri="{28A0092B-C50C-407E-A947-70E740481C1C}">
-                  <a14:useLocalDpi xmlns:a14="http://schemas.microsoft.com/office/drawing/2010/main" xmlns="" val="0"/>
+                  <a14:useLocalDpi xmlns:a14="http://schemas.microsoft.com/office/drawing/2010/main" val="0"/>
                 </a:ext>
               </a:extLst>
             </a:blip>
@@ -5428,7 +5439,7 @@
             <a:blip r:embed="rId20">
               <a:extLst>
                 <a:ext uri="{28A0092B-C50C-407E-A947-70E740481C1C}">
-                  <a14:useLocalDpi xmlns:a14="http://schemas.microsoft.com/office/drawing/2010/main" xmlns="" val="0"/>
+                  <a14:useLocalDpi xmlns:a14="http://schemas.microsoft.com/office/drawing/2010/main" val="0"/>
                 </a:ext>
               </a:extLst>
             </a:blip>
@@ -5578,7 +5589,7 @@
             <a:fld id="{7EDD6BA8-F7A2-4DB2-889F-158F0928BA1B}" type="datetimeFigureOut">
               <a:rPr lang="en-GB" smtClean="0"/>
               <a:pPr/>
-              <a:t>09/11/2016</a:t>
+              <a:t>10/11/2016</a:t>
             </a:fld>
             <a:endParaRPr lang="en-GB"/>
           </a:p>
@@ -5666,7 +5677,7 @@
     </p:spTree>
     <p:extLst>
       <p:ext uri="{BB962C8B-B14F-4D97-AF65-F5344CB8AC3E}">
-        <p14:creationId xmlns:p14="http://schemas.microsoft.com/office/powerpoint/2010/main" xmlns="" val="140631096"/>
+        <p14:creationId xmlns:p14="http://schemas.microsoft.com/office/powerpoint/2010/main" val="140631096"/>
       </p:ext>
     </p:extLst>
   </p:cSld>
@@ -5690,13 +5701,13 @@
     <p:sldLayoutId id="2147483694" r:id="rId16"/>
     <p:sldLayoutId id="2147483695" r:id="rId17"/>
   </p:sldLayoutIdLst>
-  <mc:AlternateContent xmlns:mc="http://schemas.openxmlformats.org/markup-compatibility/2006">
-    <mc:Choice xmlns:p159="http://schemas.microsoft.com/office/powerpoint/2015/09/main" xmlns="" Requires="p159">
+  <mc:AlternateContent xmlns:mc="http://schemas.openxmlformats.org/markup-compatibility/2006" xmlns:p159="http://schemas.microsoft.com/office/powerpoint/2015/09/main">
+    <mc:Choice Requires="p159">
       <p:transition xmlns:p14="http://schemas.microsoft.com/office/powerpoint/2010/main" spd="slow" p14:dur="1750">
         <p159:morph option="byObject"/>
       </p:transition>
     </mc:Choice>
-    <mc:Fallback>
+    <mc:Fallback xmlns="">
       <p:transition spd="slow">
         <p:fade/>
       </p:transition>
@@ -6155,12 +6166,8 @@
           <a:lstStyle/>
           <a:p>
             <a:r>
-              <a:rPr lang="nl-NL" dirty="0" smtClean="0"/>
-              <a:t>Group </a:t>
-            </a:r>
-            <a:r>
               <a:rPr lang="nl-NL" dirty="0"/>
-              <a:t>2</a:t>
+              <a:t>Group 2</a:t>
             </a:r>
             <a:endParaRPr lang="en-GB" dirty="0"/>
           </a:p>
@@ -6249,32 +6256,25 @@
     </p:spTree>
     <p:extLst>
       <p:ext uri="{BB962C8B-B14F-4D97-AF65-F5344CB8AC3E}">
-        <p14:creationId xmlns:p14="http://schemas.microsoft.com/office/powerpoint/2010/main" xmlns="" val="2094215243"/>
+        <p14:creationId xmlns:p14="http://schemas.microsoft.com/office/powerpoint/2010/main" val="2094215243"/>
       </p:ext>
     </p:extLst>
   </p:cSld>
   <p:clrMapOvr>
     <a:masterClrMapping/>
   </p:clrMapOvr>
-  <mc:AlternateContent xmlns:mc="http://schemas.openxmlformats.org/markup-compatibility/2006">
-    <mc:Choice xmlns:p15="http://schemas.microsoft.com/office/powerpoint/2012/main" xmlns="" Requires="p15">
+  <mc:AlternateContent xmlns:mc="http://schemas.openxmlformats.org/markup-compatibility/2006" xmlns:p15="http://schemas.microsoft.com/office/powerpoint/2012/main">
+    <mc:Choice Requires="p15">
       <p:transition xmlns:p14="http://schemas.microsoft.com/office/powerpoint/2010/main" spd="slow" p14:dur="6250">
         <p15:prstTrans prst="curtains"/>
       </p:transition>
     </mc:Choice>
-    <mc:Fallback>
+    <mc:Fallback xmlns="">
       <p:transition spd="slow">
         <p:fade/>
       </p:transition>
     </mc:Fallback>
   </mc:AlternateContent>
-  <p:timing>
-    <p:tnLst>
-      <p:par>
-        <p:cTn id="1" dur="indefinite" restart="never" nodeType="tmRoot"/>
-      </p:par>
-    </p:tnLst>
-  </p:timing>
 </p:sld>
 </file>
 
@@ -6366,7 +6366,7 @@
               </a:tabLst>
             </a:pPr>
             <a:r>
-              <a:rPr lang="en-GB" altLang="en-US" dirty="0" err="1" smtClean="0"/>
+              <a:rPr lang="en-GB" altLang="en-US" dirty="0" err="1"/>
               <a:t>Timo</a:t>
             </a:r>
             <a:endParaRPr lang="en-GB" altLang="en-US" dirty="0"/>
@@ -6401,7 +6401,7 @@
               </a:tabLst>
             </a:pPr>
             <a:r>
-              <a:rPr lang="en-GB" altLang="en-US" dirty="0" err="1" smtClean="0"/>
+              <a:rPr lang="en-GB" altLang="en-US" dirty="0" err="1"/>
               <a:t>Stef</a:t>
             </a:r>
             <a:endParaRPr lang="en-GB" altLang="en-US" dirty="0"/>
@@ -6436,10 +6436,9 @@
               </a:tabLst>
             </a:pPr>
             <a:r>
-              <a:rPr lang="en-GB" altLang="en-US" dirty="0" smtClean="0"/>
+              <a:rPr lang="en-GB" altLang="en-US" dirty="0"/>
               <a:t>Thom</a:t>
             </a:r>
-            <a:endParaRPr lang="en-GB" altLang="en-US" dirty="0"/>
           </a:p>
           <a:p>
             <a:pPr marL="430213" indent="-323850">
@@ -6471,10 +6470,9 @@
               </a:tabLst>
             </a:pPr>
             <a:r>
-              <a:rPr lang="en-GB" altLang="en-US" dirty="0" smtClean="0"/>
+              <a:rPr lang="en-GB" altLang="en-US" dirty="0"/>
               <a:t>Paul</a:t>
             </a:r>
-            <a:endParaRPr lang="en-GB" altLang="en-US" dirty="0"/>
           </a:p>
           <a:p>
             <a:pPr marL="430213" indent="-323850">
@@ -6506,7 +6504,7 @@
               </a:tabLst>
             </a:pPr>
             <a:r>
-              <a:rPr lang="en-GB" altLang="en-US" smtClean="0"/>
+              <a:rPr lang="en-GB" altLang="en-US"/>
               <a:t>Marcel</a:t>
             </a:r>
             <a:endParaRPr lang="en-GB" altLang="en-US" dirty="0"/>
@@ -6519,20 +6517,20 @@
     </p:spTree>
     <p:extLst>
       <p:ext uri="{BB962C8B-B14F-4D97-AF65-F5344CB8AC3E}">
-        <p14:creationId xmlns:p14="http://schemas.microsoft.com/office/powerpoint/2010/main" xmlns="" val="601708670"/>
+        <p14:creationId xmlns:p14="http://schemas.microsoft.com/office/powerpoint/2010/main" val="601708670"/>
       </p:ext>
     </p:extLst>
   </p:cSld>
   <p:clrMapOvr>
     <a:masterClrMapping/>
   </p:clrMapOvr>
-  <mc:AlternateContent xmlns:mc="http://schemas.openxmlformats.org/markup-compatibility/2006">
-    <mc:Choice xmlns:p159="http://schemas.microsoft.com/office/powerpoint/2015/09/main" xmlns="" Requires="p159">
+  <mc:AlternateContent xmlns:mc="http://schemas.openxmlformats.org/markup-compatibility/2006" xmlns:p159="http://schemas.microsoft.com/office/powerpoint/2015/09/main">
+    <mc:Choice Requires="p159">
       <p:transition xmlns:p14="http://schemas.microsoft.com/office/powerpoint/2010/main" spd="slow" p14:dur="1750">
         <p159:morph option="byObject"/>
       </p:transition>
     </mc:Choice>
-    <mc:Fallback>
+    <mc:Fallback xmlns="">
       <p:transition spd="slow">
         <p:fade/>
       </p:transition>
@@ -6595,7 +6593,7 @@
           <a:blip r:embed="rId2">
             <a:extLst>
               <a:ext uri="{28A0092B-C50C-407E-A947-70E740481C1C}">
-                <a14:useLocalDpi xmlns:a14="http://schemas.microsoft.com/office/drawing/2010/main" xmlns="" val="0"/>
+                <a14:useLocalDpi xmlns:a14="http://schemas.microsoft.com/office/drawing/2010/main" val="0"/>
               </a:ext>
             </a:extLst>
           </a:blip>
@@ -6615,7 +6613,7 @@
           <a:noFill/>
           <a:extLst>
             <a:ext uri="{909E8E84-426E-40DD-AFC4-6F175D3DCCD1}">
-              <a14:hiddenFill xmlns:a14="http://schemas.microsoft.com/office/drawing/2010/main" xmlns="">
+              <a14:hiddenFill xmlns:a14="http://schemas.microsoft.com/office/drawing/2010/main">
                 <a:solidFill>
                   <a:srgbClr val="FFFFFF"/>
                 </a:solidFill>
@@ -6627,20 +6625,20 @@
     </p:spTree>
     <p:extLst>
       <p:ext uri="{BB962C8B-B14F-4D97-AF65-F5344CB8AC3E}">
-        <p14:creationId xmlns:p14="http://schemas.microsoft.com/office/powerpoint/2010/main" xmlns="" val="2312078937"/>
+        <p14:creationId xmlns:p14="http://schemas.microsoft.com/office/powerpoint/2010/main" val="2312078937"/>
       </p:ext>
     </p:extLst>
   </p:cSld>
   <p:clrMapOvr>
     <a:masterClrMapping/>
   </p:clrMapOvr>
-  <mc:AlternateContent xmlns:mc="http://schemas.openxmlformats.org/markup-compatibility/2006">
-    <mc:Choice xmlns:p159="http://schemas.microsoft.com/office/powerpoint/2015/09/main" xmlns="" Requires="p159">
+  <mc:AlternateContent xmlns:mc="http://schemas.openxmlformats.org/markup-compatibility/2006" xmlns:p159="http://schemas.microsoft.com/office/powerpoint/2015/09/main">
+    <mc:Choice Requires="p159">
       <p:transition xmlns:p14="http://schemas.microsoft.com/office/powerpoint/2010/main" spd="slow" p14:dur="1750">
         <p159:morph option="byObject"/>
       </p:transition>
     </mc:Choice>
-    <mc:Fallback>
+    <mc:Fallback xmlns="">
       <p:transition spd="slow">
         <p:fade/>
       </p:transition>
@@ -6735,7 +6733,7 @@
               </a:tabLst>
             </a:pPr>
             <a:r>
-              <a:rPr lang="en-GB" altLang="en-US" dirty="0" smtClean="0"/>
+              <a:rPr lang="en-GB" altLang="en-US" dirty="0"/>
               <a:t>Features</a:t>
             </a:r>
           </a:p>
@@ -6769,7 +6767,7 @@
               </a:tabLst>
             </a:pPr>
             <a:r>
-              <a:rPr lang="en-GB" altLang="en-US" dirty="0" smtClean="0"/>
+              <a:rPr lang="en-GB" altLang="en-US" dirty="0"/>
               <a:t>Development tools</a:t>
             </a:r>
           </a:p>
@@ -6803,10 +6801,9 @@
               </a:tabLst>
             </a:pPr>
             <a:r>
-              <a:rPr lang="en-GB" altLang="en-US" dirty="0" smtClean="0"/>
+              <a:rPr lang="en-GB" altLang="en-US" dirty="0"/>
               <a:t>Techniques</a:t>
             </a:r>
-            <a:endParaRPr lang="en-GB" altLang="en-US" dirty="0"/>
           </a:p>
           <a:p>
             <a:pPr marL="558800" indent="-557213">
@@ -6838,18 +6835,9 @@
               </a:tabLst>
             </a:pPr>
             <a:r>
-              <a:rPr lang="en-GB" altLang="en-US" dirty="0" smtClean="0"/>
-              <a:t>Problems </a:t>
-            </a:r>
-            <a:r>
               <a:rPr lang="en-GB" altLang="en-US" dirty="0"/>
-              <a:t>we </a:t>
-            </a:r>
-            <a:r>
-              <a:rPr lang="en-GB" altLang="en-US" dirty="0" smtClean="0"/>
-              <a:t>encountered</a:t>
-            </a:r>
-            <a:endParaRPr lang="en-GB" altLang="en-US" dirty="0"/>
+              <a:t>Problems we encountered</a:t>
+            </a:r>
           </a:p>
           <a:p>
             <a:pPr marL="558800" indent="-557213">
@@ -6881,10 +6869,9 @@
               </a:tabLst>
             </a:pPr>
             <a:r>
-              <a:rPr lang="en-GB" altLang="en-US" dirty="0" smtClean="0"/>
+              <a:rPr lang="en-GB" altLang="en-US" dirty="0"/>
               <a:t>Demo</a:t>
             </a:r>
-            <a:endParaRPr lang="en-GB" altLang="en-US" dirty="0"/>
           </a:p>
           <a:p>
             <a:pPr marL="558800" indent="-557213">
@@ -6916,10 +6903,9 @@
               </a:tabLst>
             </a:pPr>
             <a:r>
-              <a:rPr lang="en-GB" altLang="en-US" dirty="0" smtClean="0"/>
+              <a:rPr lang="en-GB" altLang="en-US" dirty="0"/>
               <a:t>Personal contribution</a:t>
             </a:r>
-            <a:endParaRPr lang="en-GB" altLang="en-US" dirty="0"/>
           </a:p>
           <a:p>
             <a:endParaRPr lang="en-GB" dirty="0"/>
@@ -6929,32 +6915,25 @@
     </p:spTree>
     <p:extLst>
       <p:ext uri="{BB962C8B-B14F-4D97-AF65-F5344CB8AC3E}">
-        <p14:creationId xmlns:p14="http://schemas.microsoft.com/office/powerpoint/2010/main" xmlns="" val="3772964953"/>
+        <p14:creationId xmlns:p14="http://schemas.microsoft.com/office/powerpoint/2010/main" val="3772964953"/>
       </p:ext>
     </p:extLst>
   </p:cSld>
   <p:clrMapOvr>
     <a:masterClrMapping/>
   </p:clrMapOvr>
-  <mc:AlternateContent xmlns:mc="http://schemas.openxmlformats.org/markup-compatibility/2006">
-    <mc:Choice xmlns:p159="http://schemas.microsoft.com/office/powerpoint/2015/09/main" xmlns="" Requires="p159">
+  <mc:AlternateContent xmlns:mc="http://schemas.openxmlformats.org/markup-compatibility/2006" xmlns:p159="http://schemas.microsoft.com/office/powerpoint/2015/09/main">
+    <mc:Choice Requires="p159">
       <p:transition xmlns:p14="http://schemas.microsoft.com/office/powerpoint/2010/main" spd="slow" p14:dur="1750">
         <p159:morph option="byObject"/>
       </p:transition>
     </mc:Choice>
-    <mc:Fallback>
+    <mc:Fallback xmlns="">
       <p:transition spd="slow">
         <p:fade/>
       </p:transition>
     </mc:Fallback>
   </mc:AlternateContent>
-  <p:timing>
-    <p:tnLst>
-      <p:par>
-        <p:cTn id="1" dur="indefinite" restart="never" nodeType="tmRoot"/>
-      </p:par>
-    </p:tnLst>
-  </p:timing>
 </p:sld>
 </file>
 
@@ -6993,7 +6972,7 @@
           <a:lstStyle/>
           <a:p>
             <a:r>
-              <a:rPr lang="nl-NL" dirty="0" smtClean="0"/>
+              <a:rPr lang="nl-NL" dirty="0"/>
               <a:t>Features</a:t>
             </a:r>
             <a:endParaRPr lang="en-GB" dirty="0"/>
@@ -7051,7 +7030,7 @@
               </a:tabLst>
             </a:pPr>
             <a:r>
-              <a:rPr lang="en-GB" dirty="0" smtClean="0"/>
+              <a:rPr lang="en-GB" dirty="0"/>
               <a:t>Filtering items</a:t>
             </a:r>
           </a:p>
@@ -7085,10 +7064,9 @@
               </a:tabLst>
             </a:pPr>
             <a:r>
-              <a:rPr lang="en-GB" dirty="0" smtClean="0"/>
+              <a:rPr lang="en-GB" dirty="0"/>
               <a:t>Register / login</a:t>
             </a:r>
-            <a:endParaRPr lang="en-GB" dirty="0" smtClean="0"/>
           </a:p>
           <a:p>
             <a:pPr marL="430213" indent="-323850">
@@ -7120,7 +7098,7 @@
               </a:tabLst>
             </a:pPr>
             <a:r>
-              <a:rPr lang="en-GB" dirty="0" smtClean="0"/>
+              <a:rPr lang="en-GB" dirty="0"/>
               <a:t>User wish lists</a:t>
             </a:r>
           </a:p>
@@ -7160,32 +7138,25 @@
     </p:spTree>
     <p:extLst>
       <p:ext uri="{BB962C8B-B14F-4D97-AF65-F5344CB8AC3E}">
-        <p14:creationId xmlns:p14="http://schemas.microsoft.com/office/powerpoint/2010/main" xmlns="" val="3188171503"/>
+        <p14:creationId xmlns:p14="http://schemas.microsoft.com/office/powerpoint/2010/main" val="3188171503"/>
       </p:ext>
     </p:extLst>
   </p:cSld>
   <p:clrMapOvr>
     <a:masterClrMapping/>
   </p:clrMapOvr>
-  <mc:AlternateContent xmlns:mc="http://schemas.openxmlformats.org/markup-compatibility/2006">
-    <mc:Choice xmlns:p159="http://schemas.microsoft.com/office/powerpoint/2015/09/main" xmlns="" Requires="p159">
+  <mc:AlternateContent xmlns:mc="http://schemas.openxmlformats.org/markup-compatibility/2006" xmlns:p159="http://schemas.microsoft.com/office/powerpoint/2015/09/main">
+    <mc:Choice Requires="p159">
       <p:transition xmlns:p14="http://schemas.microsoft.com/office/powerpoint/2010/main" spd="slow" p14:dur="2000">
         <p159:morph option="byObject"/>
       </p:transition>
     </mc:Choice>
-    <mc:Fallback>
+    <mc:Fallback xmlns="">
       <p:transition spd="slow">
         <p:fade/>
       </p:transition>
     </mc:Fallback>
   </mc:AlternateContent>
-  <p:timing>
-    <p:tnLst>
-      <p:par>
-        <p:cTn id="1" dur="indefinite" restart="never" nodeType="tmRoot"/>
-      </p:par>
-    </p:tnLst>
-  </p:timing>
 </p:sld>
 </file>
 
@@ -7206,6 +7177,35 @@
           <a:chExt cx="0" cy="0"/>
         </a:xfrm>
       </p:grpSpPr>
+      <p:pic>
+        <p:nvPicPr>
+          <p:cNvPr id="7" name="Afbeelding 6"/>
+          <p:cNvPicPr>
+            <a:picLocks noChangeAspect="1"/>
+          </p:cNvPicPr>
+          <p:nvPr/>
+        </p:nvPicPr>
+        <p:blipFill rotWithShape="1">
+          <a:blip r:embed="rId2">
+            <a:extLst>
+              <a:ext uri="{28A0092B-C50C-407E-A947-70E740481C1C}">
+                <a14:useLocalDpi xmlns:a14="http://schemas.microsoft.com/office/drawing/2010/main" val="0"/>
+              </a:ext>
+            </a:extLst>
+          </a:blip>
+          <a:srcRect t="14627" b="7122"/>
+          <a:stretch/>
+        </p:blipFill>
+        <p:spPr>
+          <a:xfrm>
+            <a:off x="8945148" y="4244688"/>
+            <a:ext cx="2098603" cy="1642177"/>
+          </a:xfrm>
+          <a:prstGeom prst="rect">
+            <a:avLst/>
+          </a:prstGeom>
+        </p:spPr>
+      </p:pic>
       <p:sp>
         <p:nvSpPr>
           <p:cNvPr id="2" name="Titel 1"/>
@@ -7224,45 +7224,17 @@
           <a:lstStyle/>
           <a:p>
             <a:r>
-              <a:rPr lang="nl-NL" dirty="0" err="1" smtClean="0"/>
+              <a:rPr lang="nl-NL" dirty="0" err="1"/>
               <a:t>Development</a:t>
             </a:r>
             <a:r>
-              <a:rPr lang="nl-NL" dirty="0" smtClean="0"/>
+              <a:rPr lang="nl-NL" dirty="0"/>
               <a:t> </a:t>
             </a:r>
             <a:r>
-              <a:rPr lang="nl-NL" dirty="0" err="1" smtClean="0"/>
-              <a:t>t</a:t>
-            </a:r>
-            <a:r>
-              <a:rPr lang="nl-NL" dirty="0" err="1" smtClean="0"/>
-              <a:t>ools</a:t>
-            </a:r>
-            <a:endParaRPr lang="en-GB" dirty="0"/>
-          </a:p>
-        </p:txBody>
-      </p:sp>
-      <p:sp>
-        <p:nvSpPr>
-          <p:cNvPr id="3" name="Tijdelijke aanduiding voor inhoud 2"/>
-          <p:cNvSpPr>
-            <a:spLocks noGrp="1"/>
-          </p:cNvSpPr>
-          <p:nvPr>
-            <p:ph idx="1"/>
-          </p:nvPr>
-        </p:nvSpPr>
-        <p:spPr>
-          <a:xfrm>
-            <a:off x="1295402" y="2540890"/>
-            <a:ext cx="9601196" cy="2047152"/>
-          </a:xfrm>
-        </p:spPr>
-        <p:txBody>
-          <a:bodyPr/>
-          <a:lstStyle/>
-          <a:p>
+              <a:rPr lang="nl-NL" dirty="0" err="1"/>
+              <a:t>tools</a:t>
+            </a:r>
             <a:endParaRPr lang="en-GB" dirty="0"/>
           </a:p>
         </p:txBody>
@@ -7276,7 +7248,7 @@
           <p:nvPr/>
         </p:nvPicPr>
         <p:blipFill>
-          <a:blip r:embed="rId2"/>
+          <a:blip r:embed="rId3"/>
           <a:srcRect/>
           <a:stretch>
             <a:fillRect/>
@@ -7284,7 +7256,7 @@
         </p:blipFill>
         <p:spPr bwMode="auto">
           <a:xfrm>
-            <a:off x="2316313" y="2608144"/>
+            <a:off x="1295402" y="2531869"/>
             <a:ext cx="1674662" cy="1674662"/>
           </a:xfrm>
           <a:prstGeom prst="rect">
@@ -7302,7 +7274,7 @@
           <p:nvPr/>
         </p:nvPicPr>
         <p:blipFill>
-          <a:blip r:embed="rId3" cstate="print"/>
+          <a:blip r:embed="rId4" cstate="print"/>
           <a:srcRect/>
           <a:stretch>
             <a:fillRect/>
@@ -7310,7 +7282,7 @@
         </p:blipFill>
         <p:spPr bwMode="auto">
           <a:xfrm>
-            <a:off x="3960183" y="2602256"/>
+            <a:off x="2970064" y="2527203"/>
             <a:ext cx="3207606" cy="1683993"/>
           </a:xfrm>
           <a:prstGeom prst="rect">
@@ -7328,7 +7300,7 @@
           <p:nvPr/>
         </p:nvPicPr>
         <p:blipFill>
-          <a:blip r:embed="rId4"/>
+          <a:blip r:embed="rId5"/>
           <a:srcRect/>
           <a:stretch>
             <a:fillRect/>
@@ -7336,7 +7308,7 @@
         </p:blipFill>
         <p:spPr bwMode="auto">
           <a:xfrm>
-            <a:off x="6985000" y="2600326"/>
+            <a:off x="6177670" y="2530999"/>
             <a:ext cx="2580081" cy="1676399"/>
           </a:xfrm>
           <a:prstGeom prst="rect">
@@ -7354,7 +7326,7 @@
           <p:nvPr/>
         </p:nvPicPr>
         <p:blipFill>
-          <a:blip r:embed="rId5"/>
+          <a:blip r:embed="rId6"/>
           <a:srcRect/>
           <a:stretch>
             <a:fillRect/>
@@ -7362,7 +7334,7 @@
         </p:blipFill>
         <p:spPr bwMode="auto">
           <a:xfrm>
-            <a:off x="1870075" y="4246563"/>
+            <a:off x="1295402" y="4206531"/>
             <a:ext cx="7702550" cy="1680334"/>
           </a:xfrm>
           <a:prstGeom prst="rect">
@@ -7371,35 +7343,52 @@
           <a:noFill/>
         </p:spPr>
       </p:pic>
+      <p:pic>
+        <p:nvPicPr>
+          <p:cNvPr id="6" name="Afbeelding 5"/>
+          <p:cNvPicPr>
+            <a:picLocks noChangeAspect="1"/>
+          </p:cNvPicPr>
+          <p:nvPr/>
+        </p:nvPicPr>
+        <p:blipFill>
+          <a:blip r:embed="rId7"/>
+          <a:stretch>
+            <a:fillRect/>
+          </a:stretch>
+        </p:blipFill>
+        <p:spPr>
+          <a:xfrm>
+            <a:off x="8757751" y="2527203"/>
+            <a:ext cx="2286000" cy="2000250"/>
+          </a:xfrm>
+          <a:prstGeom prst="rect">
+            <a:avLst/>
+          </a:prstGeom>
+        </p:spPr>
+      </p:pic>
     </p:spTree>
     <p:extLst>
       <p:ext uri="{BB962C8B-B14F-4D97-AF65-F5344CB8AC3E}">
-        <p14:creationId xmlns:p14="http://schemas.microsoft.com/office/powerpoint/2010/main" xmlns="" val="3188171503"/>
+        <p14:creationId xmlns:p14="http://schemas.microsoft.com/office/powerpoint/2010/main" val="3188171503"/>
       </p:ext>
     </p:extLst>
   </p:cSld>
   <p:clrMapOvr>
     <a:masterClrMapping/>
   </p:clrMapOvr>
-  <mc:AlternateContent xmlns:mc="http://schemas.openxmlformats.org/markup-compatibility/2006">
-    <mc:Choice xmlns:p159="http://schemas.microsoft.com/office/powerpoint/2015/09/main" xmlns="" Requires="p159">
+  <mc:AlternateContent xmlns:mc="http://schemas.openxmlformats.org/markup-compatibility/2006" xmlns:p159="http://schemas.microsoft.com/office/powerpoint/2015/09/main">
+    <mc:Choice Requires="p159">
       <p:transition xmlns:p14="http://schemas.microsoft.com/office/powerpoint/2010/main" spd="slow" p14:dur="2000">
         <p159:morph option="byObject"/>
       </p:transition>
     </mc:Choice>
-    <mc:Fallback>
+    <mc:Fallback xmlns="">
       <p:transition spd="slow">
         <p:fade/>
       </p:transition>
     </mc:Fallback>
   </mc:AlternateContent>
-  <p:timing>
-    <p:tnLst>
-      <p:par>
-        <p:cTn id="1" dur="indefinite" restart="never" nodeType="tmRoot"/>
-      </p:par>
-    </p:tnLst>
-  </p:timing>
 </p:sld>
 </file>
 
@@ -7438,7 +7427,7 @@
           <a:lstStyle/>
           <a:p>
             <a:r>
-              <a:rPr lang="nl-NL" dirty="0" err="1" smtClean="0"/>
+              <a:rPr lang="nl-NL" dirty="0" err="1"/>
               <a:t>Techniques</a:t>
             </a:r>
             <a:endParaRPr lang="en-GB" dirty="0"/>
@@ -7468,42 +7457,58 @@
           <a:lstStyle/>
           <a:p>
             <a:r>
-              <a:rPr lang="en-GB" sz="3200" dirty="0" smtClean="0"/>
+              <a:rPr lang="en-GB" sz="3200" dirty="0"/>
               <a:t>MVC</a:t>
             </a:r>
-            <a:endParaRPr lang="en-GB" sz="3200" dirty="0"/>
-          </a:p>
-        </p:txBody>
-      </p:sp>
+          </a:p>
+        </p:txBody>
+      </p:sp>
+      <p:pic>
+        <p:nvPicPr>
+          <p:cNvPr id="4" name="Afbeelding 3"/>
+          <p:cNvPicPr>
+            <a:picLocks noChangeAspect="1"/>
+          </p:cNvPicPr>
+          <p:nvPr/>
+        </p:nvPicPr>
+        <p:blipFill>
+          <a:blip r:embed="rId2"/>
+          <a:stretch>
+            <a:fillRect/>
+          </a:stretch>
+        </p:blipFill>
+        <p:spPr>
+          <a:xfrm>
+            <a:off x="3622844" y="2735444"/>
+            <a:ext cx="4946312" cy="3216164"/>
+          </a:xfrm>
+          <a:prstGeom prst="rect">
+            <a:avLst/>
+          </a:prstGeom>
+        </p:spPr>
+      </p:pic>
     </p:spTree>
     <p:extLst>
       <p:ext uri="{BB962C8B-B14F-4D97-AF65-F5344CB8AC3E}">
-        <p14:creationId xmlns:p14="http://schemas.microsoft.com/office/powerpoint/2010/main" xmlns="" val="3188171503"/>
+        <p14:creationId xmlns:p14="http://schemas.microsoft.com/office/powerpoint/2010/main" val="3188171503"/>
       </p:ext>
     </p:extLst>
   </p:cSld>
   <p:clrMapOvr>
     <a:masterClrMapping/>
   </p:clrMapOvr>
-  <mc:AlternateContent xmlns:mc="http://schemas.openxmlformats.org/markup-compatibility/2006">
-    <mc:Choice xmlns:p159="http://schemas.microsoft.com/office/powerpoint/2015/09/main" xmlns="" Requires="p159">
+  <mc:AlternateContent xmlns:mc="http://schemas.openxmlformats.org/markup-compatibility/2006" xmlns:p159="http://schemas.microsoft.com/office/powerpoint/2015/09/main">
+    <mc:Choice Requires="p159">
       <p:transition xmlns:p14="http://schemas.microsoft.com/office/powerpoint/2010/main" spd="slow" p14:dur="2000">
         <p159:morph option="byObject"/>
       </p:transition>
     </mc:Choice>
-    <mc:Fallback>
+    <mc:Fallback xmlns="">
       <p:transition spd="slow">
         <p:fade/>
       </p:transition>
     </mc:Fallback>
   </mc:AlternateContent>
-  <p:timing>
-    <p:tnLst>
-      <p:par>
-        <p:cTn id="1" dur="indefinite" restart="never" nodeType="tmRoot"/>
-      </p:par>
-    </p:tnLst>
-  </p:timing>
 </p:sld>
 </file>
 
@@ -7547,15 +7552,15 @@
           <a:lstStyle/>
           <a:p>
             <a:r>
-              <a:rPr lang="nl-NL" dirty="0" err="1" smtClean="0"/>
+              <a:rPr lang="nl-NL" dirty="0" err="1"/>
               <a:t>Technical</a:t>
             </a:r>
             <a:r>
-              <a:rPr lang="nl-NL" dirty="0" smtClean="0"/>
+              <a:rPr lang="nl-NL" dirty="0"/>
               <a:t> </a:t>
             </a:r>
             <a:r>
-              <a:rPr lang="nl-NL" dirty="0" err="1" smtClean="0"/>
+              <a:rPr lang="nl-NL" dirty="0" err="1"/>
               <a:t>diagrams</a:t>
             </a:r>
             <a:endParaRPr lang="en-GB" dirty="0"/>
@@ -7572,17 +7577,15 @@
             <p:ph idx="1"/>
           </p:nvPr>
         </p:nvPicPr>
-        <p:blipFill>
+        <p:blipFill rotWithShape="1">
           <a:blip r:embed="rId2"/>
-          <a:srcRect/>
-          <a:stretch>
-            <a:fillRect/>
-          </a:stretch>
+          <a:srcRect l="7207" t="7117" r="2222" b="14906"/>
+          <a:stretch/>
         </p:blipFill>
         <p:spPr bwMode="auto">
           <a:xfrm>
-            <a:off x="980291" y="2646363"/>
-            <a:ext cx="5270948" cy="3059112"/>
+            <a:off x="941421" y="1400175"/>
+            <a:ext cx="6349091" cy="3172408"/>
           </a:xfrm>
           <a:prstGeom prst="rect">
             <a:avLst/>
@@ -7605,17 +7608,15 @@
           </p:cNvPicPr>
           <p:nvPr/>
         </p:nvPicPr>
-        <p:blipFill>
+        <p:blipFill rotWithShape="1">
           <a:blip r:embed="rId3" cstate="print"/>
-          <a:srcRect/>
-          <a:stretch>
-            <a:fillRect/>
-          </a:stretch>
+          <a:srcRect l="11318" t="5783" r="7134" b="4102"/>
+          <a:stretch/>
         </p:blipFill>
         <p:spPr bwMode="auto">
           <a:xfrm>
-            <a:off x="6995361" y="1400175"/>
-            <a:ext cx="4309326" cy="4686300"/>
+            <a:off x="7270671" y="1400175"/>
+            <a:ext cx="4037058" cy="4851396"/>
           </a:xfrm>
           <a:prstGeom prst="rect">
             <a:avLst/>
@@ -7633,32 +7634,25 @@
     </p:spTree>
     <p:extLst>
       <p:ext uri="{BB962C8B-B14F-4D97-AF65-F5344CB8AC3E}">
-        <p14:creationId xmlns:p14="http://schemas.microsoft.com/office/powerpoint/2010/main" xmlns="" val="3188171503"/>
+        <p14:creationId xmlns:p14="http://schemas.microsoft.com/office/powerpoint/2010/main" val="3188171503"/>
       </p:ext>
     </p:extLst>
   </p:cSld>
   <p:clrMapOvr>
     <a:masterClrMapping/>
   </p:clrMapOvr>
-  <mc:AlternateContent xmlns:mc="http://schemas.openxmlformats.org/markup-compatibility/2006">
-    <mc:Choice xmlns:p159="http://schemas.microsoft.com/office/powerpoint/2015/09/main" xmlns="" Requires="p159">
+  <mc:AlternateContent xmlns:mc="http://schemas.openxmlformats.org/markup-compatibility/2006" xmlns:p159="http://schemas.microsoft.com/office/powerpoint/2015/09/main">
+    <mc:Choice Requires="p159">
       <p:transition xmlns:p14="http://schemas.microsoft.com/office/powerpoint/2010/main" spd="slow" p14:dur="2000">
         <p159:morph option="byObject"/>
       </p:transition>
     </mc:Choice>
-    <mc:Fallback>
+    <mc:Fallback xmlns="">
       <p:transition spd="slow">
         <p:fade/>
       </p:transition>
     </mc:Fallback>
   </mc:AlternateContent>
-  <p:timing>
-    <p:tnLst>
-      <p:par>
-        <p:cTn id="1" dur="indefinite" restart="never" nodeType="tmRoot"/>
-      </p:par>
-    </p:tnLst>
-  </p:timing>
 </p:sld>
 </file>
 
@@ -7702,15 +7696,15 @@
           <a:lstStyle/>
           <a:p>
             <a:r>
-              <a:rPr lang="nl-NL" dirty="0" err="1" smtClean="0"/>
+              <a:rPr lang="nl-NL" dirty="0" err="1"/>
               <a:t>Technical</a:t>
             </a:r>
             <a:r>
-              <a:rPr lang="nl-NL" dirty="0" smtClean="0"/>
+              <a:rPr lang="nl-NL" dirty="0"/>
               <a:t> </a:t>
             </a:r>
             <a:r>
-              <a:rPr lang="nl-NL" dirty="0" err="1" smtClean="0"/>
+              <a:rPr lang="nl-NL" dirty="0" err="1"/>
               <a:t>diagrams</a:t>
             </a:r>
             <a:endParaRPr lang="en-GB" dirty="0"/>
@@ -7772,32 +7766,25 @@
     </p:spTree>
     <p:extLst>
       <p:ext uri="{BB962C8B-B14F-4D97-AF65-F5344CB8AC3E}">
-        <p14:creationId xmlns:p14="http://schemas.microsoft.com/office/powerpoint/2010/main" xmlns="" val="3188171503"/>
+        <p14:creationId xmlns:p14="http://schemas.microsoft.com/office/powerpoint/2010/main" val="3188171503"/>
       </p:ext>
     </p:extLst>
   </p:cSld>
   <p:clrMapOvr>
     <a:masterClrMapping/>
   </p:clrMapOvr>
-  <mc:AlternateContent xmlns:mc="http://schemas.openxmlformats.org/markup-compatibility/2006">
-    <mc:Choice xmlns:p159="http://schemas.microsoft.com/office/powerpoint/2015/09/main" xmlns="" Requires="p159">
+  <mc:AlternateContent xmlns:mc="http://schemas.openxmlformats.org/markup-compatibility/2006" xmlns:p159="http://schemas.microsoft.com/office/powerpoint/2015/09/main">
+    <mc:Choice Requires="p159">
       <p:transition xmlns:p14="http://schemas.microsoft.com/office/powerpoint/2010/main" spd="slow" p14:dur="2000">
         <p159:morph option="byObject"/>
       </p:transition>
     </mc:Choice>
-    <mc:Fallback>
+    <mc:Fallback xmlns="">
       <p:transition spd="slow">
         <p:fade/>
       </p:transition>
     </mc:Fallback>
   </mc:AlternateContent>
-  <p:timing>
-    <p:tnLst>
-      <p:par>
-        <p:cTn id="1" dur="indefinite" restart="never" nodeType="tmRoot"/>
-      </p:par>
-    </p:tnLst>
-  </p:timing>
 </p:sld>
 </file>
 
@@ -7836,15 +7823,15 @@
           <a:lstStyle/>
           <a:p>
             <a:r>
-              <a:rPr lang="nl-NL" dirty="0" err="1" smtClean="0"/>
+              <a:rPr lang="nl-NL" dirty="0" err="1"/>
               <a:t>Problems</a:t>
             </a:r>
             <a:r>
-              <a:rPr lang="nl-NL" dirty="0" smtClean="0"/>
+              <a:rPr lang="nl-NL" dirty="0"/>
               <a:t> we </a:t>
             </a:r>
             <a:r>
-              <a:rPr lang="nl-NL" dirty="0" err="1" smtClean="0"/>
+              <a:rPr lang="nl-NL" dirty="0" err="1"/>
               <a:t>encountered</a:t>
             </a:r>
             <a:endParaRPr lang="en-GB" dirty="0"/>
@@ -7900,10 +7887,9 @@
               </a:tabLst>
             </a:pPr>
             <a:r>
-              <a:rPr lang="en-GB" altLang="en-US" sz="3200" dirty="0" smtClean="0"/>
+              <a:rPr lang="en-GB" altLang="en-US" sz="3200" dirty="0"/>
               <a:t>No one with web development experience.</a:t>
             </a:r>
-            <a:endParaRPr lang="en-GB" altLang="en-US" sz="3200" dirty="0"/>
           </a:p>
           <a:p>
             <a:endParaRPr lang="en-GB" dirty="0"/>
@@ -7913,32 +7899,25 @@
     </p:spTree>
     <p:extLst>
       <p:ext uri="{BB962C8B-B14F-4D97-AF65-F5344CB8AC3E}">
-        <p14:creationId xmlns:p14="http://schemas.microsoft.com/office/powerpoint/2010/main" xmlns="" val="3188171503"/>
+        <p14:creationId xmlns:p14="http://schemas.microsoft.com/office/powerpoint/2010/main" val="3188171503"/>
       </p:ext>
     </p:extLst>
   </p:cSld>
   <p:clrMapOvr>
     <a:masterClrMapping/>
   </p:clrMapOvr>
-  <mc:AlternateContent xmlns:mc="http://schemas.openxmlformats.org/markup-compatibility/2006">
-    <mc:Choice xmlns:p159="http://schemas.microsoft.com/office/powerpoint/2015/09/main" xmlns="" Requires="p159">
+  <mc:AlternateContent xmlns:mc="http://schemas.openxmlformats.org/markup-compatibility/2006" xmlns:p159="http://schemas.microsoft.com/office/powerpoint/2015/09/main">
+    <mc:Choice Requires="p159">
       <p:transition xmlns:p14="http://schemas.microsoft.com/office/powerpoint/2010/main" spd="slow" p14:dur="2000">
         <p159:morph option="byObject"/>
       </p:transition>
     </mc:Choice>
-    <mc:Fallback>
+    <mc:Fallback xmlns="">
       <p:transition spd="slow">
         <p:fade/>
       </p:transition>
     </mc:Fallback>
   </mc:AlternateContent>
-  <p:timing>
-    <p:tnLst>
-      <p:par>
-        <p:cTn id="1" dur="indefinite" restart="never" nodeType="tmRoot"/>
-      </p:par>
-    </p:tnLst>
-  </p:timing>
 </p:sld>
 </file>
 
@@ -8004,32 +7983,25 @@
     </p:spTree>
     <p:extLst>
       <p:ext uri="{BB962C8B-B14F-4D97-AF65-F5344CB8AC3E}">
-        <p14:creationId xmlns:p14="http://schemas.microsoft.com/office/powerpoint/2010/main" xmlns="" val="1177763530"/>
+        <p14:creationId xmlns:p14="http://schemas.microsoft.com/office/powerpoint/2010/main" val="1177763530"/>
       </p:ext>
     </p:extLst>
   </p:cSld>
   <p:clrMapOvr>
     <a:masterClrMapping/>
   </p:clrMapOvr>
-  <mc:AlternateContent xmlns:mc="http://schemas.openxmlformats.org/markup-compatibility/2006">
-    <mc:Choice xmlns:p159="http://schemas.microsoft.com/office/powerpoint/2015/09/main" xmlns="" Requires="p159">
+  <mc:AlternateContent xmlns:mc="http://schemas.openxmlformats.org/markup-compatibility/2006" xmlns:p159="http://schemas.microsoft.com/office/powerpoint/2015/09/main">
+    <mc:Choice Requires="p159">
       <p:transition xmlns:p14="http://schemas.microsoft.com/office/powerpoint/2010/main" spd="slow" p14:dur="1750">
         <p159:morph option="byObject"/>
       </p:transition>
     </mc:Choice>
-    <mc:Fallback>
+    <mc:Fallback xmlns="">
       <p:transition spd="slow">
         <p:fade/>
       </p:transition>
     </mc:Fallback>
   </mc:AlternateContent>
-  <p:timing>
-    <p:tnLst>
-      <p:par>
-        <p:cTn id="1" dur="indefinite" restart="never" nodeType="tmRoot"/>
-      </p:par>
-    </p:tnLst>
-  </p:timing>
 </p:sld>
 </file>
 
@@ -8260,7 +8232,7 @@
   <a:extraClrSchemeLst/>
   <a:extLst>
     <a:ext uri="{05A4C25C-085E-4340-85A3-A5531E510DB2}">
-      <thm15:themeFamily xmlns:thm15="http://schemas.microsoft.com/office/thememl/2012/main" xmlns="" name="Organic" id="{28CDC826-8792-45C0-861B-85EB3ADEDA33}" vid="{7DAC20F1-423D-49E2-BD0B-50532748BAD0}"/>
+      <thm15:themeFamily xmlns:thm15="http://schemas.microsoft.com/office/thememl/2012/main" name="Organic" id="{28CDC826-8792-45C0-861B-85EB3ADEDA33}" vid="{7DAC20F1-423D-49E2-BD0B-50532748BAD0}"/>
     </a:ext>
   </a:extLst>
 </a:theme>
